--- a/발표자료/CUAI_딥러닝 스터디.pptx
+++ b/발표자료/CUAI_딥러닝 스터디.pptx
@@ -29,36 +29,41 @@
   <p:notesSz cx="6858000" cy="9144000"/>
   <p:embeddedFontLst>
     <p:embeddedFont>
-      <p:font typeface="HY그래픽M" panose="02030600000101010101" pitchFamily="18" charset="-127"/>
-      <p:regular r:id="rId19"/>
+      <p:font typeface="NanumGothic ExtraBold" panose="020B0600000101010101" charset="-127"/>
+      <p:bold r:id="rId19"/>
     </p:embeddedFont>
     <p:embeddedFont>
-      <p:font typeface="NanumGothic ExtraBold" panose="020B0600000101010101" charset="-127"/>
-      <p:bold r:id="rId20"/>
+      <p:font typeface="맑은 고딕" panose="020B0503020000020004" pitchFamily="50" charset="-127"/>
+      <p:regular r:id="rId20"/>
+      <p:bold r:id="rId21"/>
     </p:embeddedFont>
     <p:embeddedFont>
       <p:font typeface="Bahnschrift Light SemiCondensed" panose="020B0502040204020203" pitchFamily="34" charset="0"/>
-      <p:regular r:id="rId21"/>
+      <p:regular r:id="rId22"/>
+    </p:embeddedFont>
+    <p:embeddedFont>
+      <p:font typeface="HY그래픽M" panose="02030600000101010101" pitchFamily="18" charset="-127"/>
+      <p:regular r:id="rId23"/>
     </p:embeddedFont>
     <p:embeddedFont>
       <p:font typeface="경기천년제목 Bold" panose="02020803020101020101" pitchFamily="18" charset="-127"/>
-      <p:bold r:id="rId22"/>
+      <p:bold r:id="rId24"/>
     </p:embeddedFont>
     <p:embeddedFont>
       <p:font typeface="에스코어 드림 4 Regular" panose="020B0503030302020204" pitchFamily="34" charset="-127"/>
-      <p:regular r:id="rId23"/>
+      <p:regular r:id="rId25"/>
     </p:embeddedFont>
     <p:embeddedFont>
       <p:font typeface="에스코어 드림 5 Medium" panose="020B0503030302020204" pitchFamily="34" charset="-127"/>
-      <p:regular r:id="rId24"/>
+      <p:regular r:id="rId26"/>
     </p:embeddedFont>
     <p:embeddedFont>
       <p:font typeface="에스코어 드림 7 ExtraBold" panose="020B0803030302020204" pitchFamily="34" charset="-127"/>
-      <p:bold r:id="rId25"/>
+      <p:bold r:id="rId27"/>
     </p:embeddedFont>
     <p:embeddedFont>
       <p:font typeface="에스코어 드림 8 Heavy" panose="020B0903030302020204" pitchFamily="34" charset="-127"/>
-      <p:bold r:id="rId26"/>
+      <p:bold r:id="rId28"/>
     </p:embeddedFont>
   </p:embeddedFontLst>
   <p:defaultTextStyle>
@@ -845,6 +850,72 @@
           </a:bodyPr>
           <a:lstStyle/>
           <a:p>
+            <a:pPr marL="0" marR="0" lvl="0" indent="0" algn="l" defTabSz="914400" rtl="0" eaLnBrk="1" fontAlgn="auto" latinLnBrk="0" hangingPunct="1">
+              <a:lnSpc>
+                <a:spcPct val="100000"/>
+              </a:lnSpc>
+              <a:spcBef>
+                <a:spcPts val="0"/>
+              </a:spcBef>
+              <a:spcAft>
+                <a:spcPts val="0"/>
+              </a:spcAft>
+              <a:buClr>
+                <a:srgbClr val="000000"/>
+              </a:buClr>
+              <a:buSzPts val="1100"/>
+              <a:buFont typeface="Arial"/>
+              <a:buNone/>
+              <a:tabLst/>
+              <a:defRPr/>
+            </a:pPr>
+            <a:r>
+              <a:rPr lang="ko-KR" altLang="en-US" dirty="0"/>
+              <a:t>안녕하세요</a:t>
+            </a:r>
+            <a:r>
+              <a:rPr lang="en-US" altLang="ko-KR" dirty="0"/>
+              <a:t>. </a:t>
+            </a:r>
+            <a:r>
+              <a:rPr lang="ko-KR" altLang="en-US" dirty="0"/>
+              <a:t>이번 </a:t>
+            </a:r>
+            <a:r>
+              <a:rPr lang="en-US" altLang="ko-KR" dirty="0"/>
+              <a:t>CUAI </a:t>
+            </a:r>
+            <a:r>
+              <a:rPr lang="ko-KR" altLang="en-US" dirty="0"/>
+              <a:t>밑바닥부터 시작하는 딥러닝</a:t>
+            </a:r>
+            <a:r>
+              <a:rPr lang="en-US" altLang="ko-KR" dirty="0"/>
+              <a:t>1 </a:t>
+            </a:r>
+            <a:r>
+              <a:rPr lang="ko-KR" altLang="en-US" dirty="0"/>
+              <a:t>스터디 발표를 맡게 된 정서현이라고 합니다</a:t>
+            </a:r>
+            <a:r>
+              <a:rPr lang="en-US" altLang="ko-KR" dirty="0"/>
+              <a:t>. </a:t>
+            </a:r>
+            <a:r>
+              <a:rPr lang="en-US" altLang="ko-KR" b="1" i="0" dirty="0"/>
+              <a:t>(</a:t>
+            </a:r>
+            <a:r>
+              <a:rPr lang="ko-KR" altLang="en-US" b="1" i="0" dirty="0"/>
+              <a:t>스페이스바</a:t>
+            </a:r>
+            <a:r>
+              <a:rPr lang="en-US" altLang="ko-KR" b="1" i="0" dirty="0"/>
+              <a:t>)</a:t>
+            </a:r>
+            <a:endParaRPr lang="ko-KR" altLang="en-US" b="1" i="0" dirty="0"/>
+          </a:p>
+          <a:p>
             <a:pPr marL="0" lvl="0" indent="0" algn="l" rtl="0">
               <a:spcBef>
                 <a:spcPts val="0"/>
@@ -854,7 +925,7 @@
               </a:spcAft>
               <a:buNone/>
             </a:pPr>
-            <a:endParaRPr/>
+            <a:endParaRPr dirty="0"/>
           </a:p>
         </p:txBody>
       </p:sp>
@@ -959,8 +1030,66 @@
               <a:buNone/>
             </a:pPr>
             <a:r>
+              <a:rPr lang="en-US" altLang="ko-KR" b="1" i="0" dirty="0">
+                <a:latin typeface="+mj-ea"/>
+                <a:ea typeface="+mj-ea"/>
+              </a:rPr>
+              <a:t>(</a:t>
+            </a:r>
+            <a:r>
+              <a:rPr lang="ko-KR" altLang="en-US" b="1" i="0" dirty="0">
+                <a:latin typeface="+mj-ea"/>
+                <a:ea typeface="+mj-ea"/>
+              </a:rPr>
+              <a:t>스페이스바</a:t>
+            </a:r>
+            <a:r>
+              <a:rPr lang="en-US" altLang="ko-KR" b="1" i="0" dirty="0">
+                <a:latin typeface="+mj-ea"/>
+                <a:ea typeface="+mj-ea"/>
+              </a:rPr>
+              <a:t>) </a:t>
+            </a:r>
+            <a:r>
               <a:rPr lang="ko-KR" altLang="en-US" dirty="0"/>
-              <a:t>활성화 함수에서 임계치 </a:t>
+              <a:t>다음의 </a:t>
+            </a:r>
+            <a:r>
+              <a:rPr lang="ko-KR" altLang="en-US" dirty="0" err="1"/>
+              <a:t>퍼셉트론</a:t>
+            </a:r>
+            <a:r>
+              <a:rPr lang="ko-KR" altLang="en-US" dirty="0"/>
+              <a:t> 수식은 다음과 같이 작성할 수도 있습니다</a:t>
+            </a:r>
+            <a:r>
+              <a:rPr lang="en-US" altLang="ko-KR" dirty="0"/>
+              <a:t>.</a:t>
+            </a:r>
+            <a:r>
+              <a:rPr lang="en-US" altLang="ko-KR" b="1" i="0" dirty="0">
+                <a:latin typeface="+mj-ea"/>
+                <a:ea typeface="+mj-ea"/>
+              </a:rPr>
+              <a:t> (</a:t>
+            </a:r>
+            <a:r>
+              <a:rPr lang="ko-KR" altLang="en-US" b="1" i="0" dirty="0">
+                <a:latin typeface="+mj-ea"/>
+                <a:ea typeface="+mj-ea"/>
+              </a:rPr>
+              <a:t>스페이스바</a:t>
+            </a:r>
+            <a:r>
+              <a:rPr lang="en-US" altLang="ko-KR" b="1" i="0" dirty="0">
+                <a:latin typeface="+mj-ea"/>
+                <a:ea typeface="+mj-ea"/>
+              </a:rPr>
+              <a:t>) </a:t>
+            </a:r>
+            <a:r>
+              <a:rPr lang="ko-KR" altLang="en-US" dirty="0"/>
+              <a:t>이 때 활성화 함수에서 임계치인 </a:t>
             </a:r>
             <a:r>
               <a:rPr lang="ko-KR" altLang="en-US" dirty="0" err="1"/>
@@ -968,7 +1097,15 @@
             </a:r>
             <a:r>
               <a:rPr lang="ko-KR" altLang="en-US" dirty="0"/>
-              <a:t> 앞에 마이너스 기호가 있다면 </a:t>
+              <a:t> 앞에 마이너스 기호가 있다면</a:t>
+            </a:r>
+            <a:r>
+              <a:rPr lang="en-US" altLang="ko-KR" dirty="0"/>
+              <a:t>,</a:t>
+            </a:r>
+            <a:r>
+              <a:rPr lang="ko-KR" altLang="en-US" dirty="0"/>
+              <a:t> </a:t>
             </a:r>
             <a:r>
               <a:rPr lang="ko-KR" altLang="en-US" dirty="0" err="1"/>
@@ -976,11 +1113,7 @@
             </a:r>
             <a:r>
               <a:rPr lang="ko-KR" altLang="en-US" dirty="0"/>
-              <a:t> 범하기 쉬우므로 </a:t>
-            </a:r>
-            <a:r>
-              <a:rPr lang="en-US" altLang="ko-KR" dirty="0"/>
-              <a:t>–</a:t>
+              <a:t> 범하기 쉬우므로 마이너스 </a:t>
             </a:r>
             <a:r>
               <a:rPr lang="ko-KR" altLang="en-US" dirty="0" err="1"/>
@@ -1003,12 +1136,62 @@
               <a:t>. </a:t>
             </a:r>
             <a:r>
+              <a:rPr lang="en-US" altLang="ko-KR" b="1" i="0" dirty="0">
+                <a:latin typeface="+mj-ea"/>
+                <a:ea typeface="+mj-ea"/>
+              </a:rPr>
+              <a:t>(</a:t>
+            </a:r>
+            <a:r>
+              <a:rPr lang="ko-KR" altLang="en-US" b="1" i="0" dirty="0">
+                <a:latin typeface="+mj-ea"/>
+                <a:ea typeface="+mj-ea"/>
+              </a:rPr>
+              <a:t>스페이스바</a:t>
+            </a:r>
+            <a:r>
+              <a:rPr lang="en-US" altLang="ko-KR" b="1" i="0" dirty="0">
+                <a:latin typeface="+mj-ea"/>
+                <a:ea typeface="+mj-ea"/>
+              </a:rPr>
+              <a:t>) </a:t>
+            </a:r>
+            <a:r>
               <a:rPr lang="ko-KR" altLang="en-US" dirty="0"/>
-              <a:t>이것이 바로 편향으로 노드의 민감도를 조절해주는 역할을 합니다</a:t>
+              <a:t>이 </a:t>
             </a:r>
             <a:r>
               <a:rPr lang="en-US" altLang="ko-KR" dirty="0"/>
-              <a:t>.</a:t>
+              <a:t>B</a:t>
+            </a:r>
+            <a:r>
+              <a:rPr lang="ko-KR" altLang="en-US" dirty="0"/>
+              <a:t>를 바로 편향이라고 하며 이는 노드의 민감도를 조절해주는 역할을 합니다</a:t>
+            </a:r>
+            <a:r>
+              <a:rPr lang="en-US" altLang="ko-KR" dirty="0"/>
+              <a:t>. </a:t>
+            </a:r>
+            <a:r>
+              <a:rPr lang="en-US" altLang="ko-KR" b="1" i="0" dirty="0">
+                <a:latin typeface="+mj-ea"/>
+                <a:ea typeface="+mj-ea"/>
+              </a:rPr>
+              <a:t>(</a:t>
+            </a:r>
+            <a:r>
+              <a:rPr lang="ko-KR" altLang="en-US" b="1" i="0" dirty="0">
+                <a:latin typeface="+mj-ea"/>
+                <a:ea typeface="+mj-ea"/>
+              </a:rPr>
+              <a:t>스페이스바</a:t>
+            </a:r>
+            <a:r>
+              <a:rPr lang="en-US" altLang="ko-KR" b="1" i="0" dirty="0">
+                <a:latin typeface="+mj-ea"/>
+                <a:ea typeface="+mj-ea"/>
+              </a:rPr>
+              <a:t>) </a:t>
             </a:r>
             <a:endParaRPr dirty="0"/>
           </a:p>
@@ -1121,6 +1304,14 @@
             </a:pPr>
             <a:r>
               <a:rPr lang="ko-KR" altLang="en-US" dirty="0"/>
+              <a:t>이 역시 예시를 하나 들어보겠습니다</a:t>
+            </a:r>
+            <a:r>
+              <a:rPr lang="en-US" altLang="ko-KR" dirty="0"/>
+              <a:t>. </a:t>
+            </a:r>
+            <a:r>
+              <a:rPr lang="ko-KR" altLang="en-US" dirty="0"/>
               <a:t>결혼을 고민하는 </a:t>
             </a:r>
             <a:r>
@@ -1177,23 +1368,7 @@
             </a:r>
             <a:r>
               <a:rPr lang="ko-KR" altLang="en-US" dirty="0"/>
-              <a:t>사랑 등 다양한 조건들에 대한 중요도</a:t>
-            </a:r>
-            <a:r>
-              <a:rPr lang="en-US" altLang="ko-KR" dirty="0"/>
-              <a:t>(</a:t>
-            </a:r>
-            <a:r>
-              <a:rPr lang="ko-KR" altLang="en-US" dirty="0"/>
-              <a:t>가중치</a:t>
-            </a:r>
-            <a:r>
-              <a:rPr lang="en-US" altLang="ko-KR" dirty="0"/>
-              <a:t>)</a:t>
-            </a:r>
-            <a:r>
-              <a:rPr lang="ko-KR" altLang="en-US" dirty="0"/>
-              <a:t>는 </a:t>
+              <a:t>사랑 등 다양한 조건들에 대한 가중치는 </a:t>
             </a:r>
             <a:r>
               <a:rPr lang="en-US" altLang="ko-KR" dirty="0"/>
@@ -1209,7 +1384,7 @@
             </a:r>
             <a:r>
               <a:rPr lang="ko-KR" altLang="en-US" dirty="0"/>
-              <a:t>씨 모두 같다고 가정해봅시다</a:t>
+              <a:t>씨 모두 같다고 가정해보겠습니다</a:t>
             </a:r>
             <a:r>
               <a:rPr lang="en-US" altLang="ko-KR" dirty="0"/>
@@ -1241,7 +1416,7 @@
             </a:r>
             <a:r>
               <a:rPr lang="ko-KR" altLang="en-US" dirty="0"/>
-              <a:t>삶의 여유를 좀더 추구하여 집</a:t>
+              <a:t>삶의 여유를 좀 더 추구하여 집</a:t>
             </a:r>
             <a:r>
               <a:rPr lang="en-US" altLang="ko-KR" dirty="0"/>
@@ -1273,11 +1448,11 @@
             </a:r>
             <a:r>
               <a:rPr lang="ko-KR" altLang="en-US" dirty="0"/>
-              <a:t>씨는 똑같은 값을 낼 수 없겠죠</a:t>
+              <a:t>씨는 똑같은 값을 낼 수 없을 것입니다</a:t>
             </a:r>
             <a:r>
               <a:rPr lang="en-US" altLang="ko-KR" dirty="0"/>
-              <a:t>? </a:t>
+              <a:t>. </a:t>
             </a:r>
             <a:r>
               <a:rPr lang="ko-KR" altLang="en-US" dirty="0"/>
@@ -1286,6 +1461,27 @@
             <a:r>
               <a:rPr lang="en-US" altLang="ko-KR" dirty="0"/>
               <a:t>.</a:t>
+            </a:r>
+            <a:r>
+              <a:rPr lang="en-US" altLang="ko-KR" b="1" i="0" dirty="0">
+                <a:latin typeface="+mj-ea"/>
+                <a:ea typeface="+mj-ea"/>
+              </a:rPr>
+              <a:t> (</a:t>
+            </a:r>
+            <a:r>
+              <a:rPr lang="ko-KR" altLang="en-US" b="1" i="0" dirty="0">
+                <a:latin typeface="+mj-ea"/>
+                <a:ea typeface="+mj-ea"/>
+              </a:rPr>
+              <a:t>스페이스바</a:t>
+            </a:r>
+            <a:r>
+              <a:rPr lang="en-US" altLang="ko-KR" b="1" i="0" dirty="0">
+                <a:latin typeface="+mj-ea"/>
+                <a:ea typeface="+mj-ea"/>
+              </a:rPr>
+              <a:t>) </a:t>
             </a:r>
             <a:endParaRPr dirty="0"/>
           </a:p>
@@ -1396,7 +1592,192 @@
               </a:spcAft>
               <a:buNone/>
             </a:pPr>
-            <a:endParaRPr/>
+            <a:r>
+              <a:rPr lang="ko-KR" altLang="en-US" dirty="0"/>
+              <a:t>지금까지 설명한 기존의 단순 </a:t>
+            </a:r>
+            <a:r>
+              <a:rPr lang="ko-KR" altLang="en-US" dirty="0" err="1"/>
+              <a:t>퍼셉트론은</a:t>
+            </a:r>
+            <a:r>
+              <a:rPr lang="ko-KR" altLang="en-US" dirty="0"/>
+              <a:t> 직선으로 나뉜 두 영역을 만듭니다</a:t>
+            </a:r>
+            <a:r>
+              <a:rPr lang="en-US" altLang="ko-KR" dirty="0"/>
+              <a:t>. </a:t>
+            </a:r>
+            <a:r>
+              <a:rPr lang="ko-KR" altLang="en-US" dirty="0"/>
+              <a:t>직선으로 나뉜 한쪽 영역은 </a:t>
+            </a:r>
+            <a:r>
+              <a:rPr lang="en-US" altLang="ko-KR" dirty="0"/>
+              <a:t>1</a:t>
+            </a:r>
+            <a:r>
+              <a:rPr lang="ko-KR" altLang="en-US" dirty="0"/>
+              <a:t>을 출력하고 다른 한쪽은 </a:t>
+            </a:r>
+            <a:r>
+              <a:rPr lang="en-US" altLang="ko-KR" dirty="0"/>
+              <a:t>0</a:t>
+            </a:r>
+            <a:r>
+              <a:rPr lang="ko-KR" altLang="en-US" dirty="0"/>
+              <a:t>을 출력합니다</a:t>
+            </a:r>
+            <a:r>
+              <a:rPr lang="en-US" altLang="ko-KR" dirty="0"/>
+              <a:t>.</a:t>
+            </a:r>
+            <a:r>
+              <a:rPr lang="en-US" altLang="ko-KR" b="1" i="0" dirty="0">
+                <a:latin typeface="+mj-ea"/>
+                <a:ea typeface="+mj-ea"/>
+              </a:rPr>
+              <a:t> (</a:t>
+            </a:r>
+            <a:r>
+              <a:rPr lang="ko-KR" altLang="en-US" b="1" i="0" dirty="0">
+                <a:latin typeface="+mj-ea"/>
+                <a:ea typeface="+mj-ea"/>
+              </a:rPr>
+              <a:t>스페이스바</a:t>
+            </a:r>
+            <a:r>
+              <a:rPr lang="en-US" altLang="ko-KR" b="1" i="0" dirty="0">
+                <a:latin typeface="+mj-ea"/>
+                <a:ea typeface="+mj-ea"/>
+              </a:rPr>
+              <a:t>)</a:t>
+            </a:r>
+            <a:r>
+              <a:rPr lang="en-US" altLang="ko-KR" dirty="0"/>
+              <a:t> </a:t>
+            </a:r>
+            <a:r>
+              <a:rPr lang="ko-KR" altLang="en-US" dirty="0"/>
+              <a:t>하지만 </a:t>
+            </a:r>
+            <a:r>
+              <a:rPr lang="en-US" altLang="ko-KR" dirty="0"/>
+              <a:t>XOR </a:t>
+            </a:r>
+            <a:r>
+              <a:rPr lang="ko-KR" altLang="en-US" dirty="0"/>
+              <a:t>게이트와 같은 경우는 </a:t>
+            </a:r>
+            <a:r>
+              <a:rPr lang="en-US" altLang="ko-KR" dirty="0"/>
+              <a:t>OR</a:t>
+            </a:r>
+            <a:r>
+              <a:rPr lang="ko-KR" altLang="en-US" dirty="0"/>
+              <a:t>게이트 때와는 다르게 직선 하나로 </a:t>
+            </a:r>
+            <a:r>
+              <a:rPr lang="en-US" altLang="ko-KR" dirty="0"/>
+              <a:t>0</a:t>
+            </a:r>
+            <a:r>
+              <a:rPr lang="ko-KR" altLang="en-US" dirty="0"/>
+              <a:t>과 </a:t>
+            </a:r>
+            <a:r>
+              <a:rPr lang="en-US" altLang="ko-KR" dirty="0"/>
+              <a:t>1</a:t>
+            </a:r>
+            <a:r>
+              <a:rPr lang="ko-KR" altLang="en-US" dirty="0"/>
+              <a:t>을 나누는 영역을 만들 수 없습니다</a:t>
+            </a:r>
+            <a:r>
+              <a:rPr lang="en-US" altLang="ko-KR" dirty="0"/>
+              <a:t>. </a:t>
+            </a:r>
+            <a:r>
+              <a:rPr lang="en-US" altLang="ko-KR" b="1" i="0" dirty="0">
+                <a:latin typeface="+mj-ea"/>
+                <a:ea typeface="+mj-ea"/>
+              </a:rPr>
+              <a:t>(</a:t>
+            </a:r>
+            <a:r>
+              <a:rPr lang="ko-KR" altLang="en-US" b="1" i="0" dirty="0">
+                <a:latin typeface="+mj-ea"/>
+                <a:ea typeface="+mj-ea"/>
+              </a:rPr>
+              <a:t>스페이스바</a:t>
+            </a:r>
+            <a:r>
+              <a:rPr lang="en-US" altLang="ko-KR" b="1" i="0" dirty="0">
+                <a:latin typeface="+mj-ea"/>
+                <a:ea typeface="+mj-ea"/>
+              </a:rPr>
+              <a:t>) (</a:t>
+            </a:r>
+            <a:r>
+              <a:rPr lang="ko-KR" altLang="en-US" b="1" i="0" dirty="0">
+                <a:latin typeface="+mj-ea"/>
+                <a:ea typeface="+mj-ea"/>
+              </a:rPr>
+              <a:t>스페이스바</a:t>
+            </a:r>
+            <a:r>
+              <a:rPr lang="en-US" altLang="ko-KR" b="1" i="0" dirty="0">
+                <a:latin typeface="+mj-ea"/>
+                <a:ea typeface="+mj-ea"/>
+              </a:rPr>
+              <a:t>) </a:t>
+            </a:r>
+            <a:r>
+              <a:rPr lang="ko-KR" altLang="en-US" dirty="0"/>
+              <a:t>하지만 </a:t>
+            </a:r>
+            <a:r>
+              <a:rPr lang="en-US" altLang="ko-KR" dirty="0"/>
+              <a:t>‘</a:t>
+            </a:r>
+            <a:r>
+              <a:rPr lang="ko-KR" altLang="en-US" dirty="0"/>
+              <a:t>직선</a:t>
+            </a:r>
+            <a:r>
+              <a:rPr lang="en-US" altLang="ko-KR" dirty="0"/>
+              <a:t>’</a:t>
+            </a:r>
+            <a:r>
+              <a:rPr lang="ko-KR" altLang="en-US" dirty="0"/>
+              <a:t>이라는 제약을 없애고 곡선으로 표현한다면 구분이 가능합니다</a:t>
+            </a:r>
+            <a:r>
+              <a:rPr lang="en-US" altLang="ko-KR" dirty="0"/>
+              <a:t>. </a:t>
+            </a:r>
+            <a:r>
+              <a:rPr lang="en-US" altLang="ko-KR" b="1" i="0" dirty="0">
+                <a:latin typeface="+mj-ea"/>
+                <a:ea typeface="+mj-ea"/>
+              </a:rPr>
+              <a:t>(</a:t>
+            </a:r>
+            <a:r>
+              <a:rPr lang="ko-KR" altLang="en-US" b="1" i="0" dirty="0">
+                <a:latin typeface="+mj-ea"/>
+                <a:ea typeface="+mj-ea"/>
+              </a:rPr>
+              <a:t>스페이스바</a:t>
+            </a:r>
+            <a:r>
+              <a:rPr lang="en-US" altLang="ko-KR" b="1" i="0" dirty="0">
+                <a:latin typeface="+mj-ea"/>
+                <a:ea typeface="+mj-ea"/>
+              </a:rPr>
+              <a:t>) </a:t>
+            </a:r>
+            <a:endParaRPr dirty="0"/>
           </a:p>
         </p:txBody>
       </p:sp>
@@ -1505,7 +1886,372 @@
               </a:spcAft>
               <a:buNone/>
             </a:pPr>
-            <a:endParaRPr/>
+            <a:r>
+              <a:rPr lang="en-US" altLang="ko-KR" b="1" i="0" dirty="0">
+                <a:latin typeface="+mj-ea"/>
+                <a:ea typeface="+mj-ea"/>
+              </a:rPr>
+              <a:t>(</a:t>
+            </a:r>
+            <a:r>
+              <a:rPr lang="ko-KR" altLang="en-US" b="1" i="0" dirty="0">
+                <a:latin typeface="+mj-ea"/>
+                <a:ea typeface="+mj-ea"/>
+              </a:rPr>
+              <a:t>스페이스바</a:t>
+            </a:r>
+            <a:r>
+              <a:rPr lang="en-US" altLang="ko-KR" b="1" i="0" dirty="0">
+                <a:latin typeface="+mj-ea"/>
+                <a:ea typeface="+mj-ea"/>
+              </a:rPr>
+              <a:t>) </a:t>
+            </a:r>
+            <a:r>
+              <a:rPr lang="ko-KR" altLang="en-US" b="0" i="0" dirty="0" err="1">
+                <a:solidFill>
+                  <a:srgbClr val="D1D5DB"/>
+                </a:solidFill>
+                <a:effectLst/>
+                <a:latin typeface="+mj-ea"/>
+                <a:ea typeface="+mj-ea"/>
+              </a:rPr>
+              <a:t>퍼셉트론을</a:t>
+            </a:r>
+            <a:r>
+              <a:rPr lang="ko-KR" altLang="en-US" b="0" i="0" dirty="0">
+                <a:solidFill>
+                  <a:srgbClr val="D1D5DB"/>
+                </a:solidFill>
+                <a:effectLst/>
+                <a:latin typeface="+mj-ea"/>
+                <a:ea typeface="+mj-ea"/>
+              </a:rPr>
+              <a:t> 여러 층으로 쌓아 다층 </a:t>
+            </a:r>
+            <a:r>
+              <a:rPr lang="ko-KR" altLang="en-US" b="0" i="0" dirty="0" err="1">
+                <a:solidFill>
+                  <a:srgbClr val="D1D5DB"/>
+                </a:solidFill>
+                <a:effectLst/>
+                <a:latin typeface="+mj-ea"/>
+                <a:ea typeface="+mj-ea"/>
+              </a:rPr>
+              <a:t>퍼셉트론을</a:t>
+            </a:r>
+            <a:r>
+              <a:rPr lang="ko-KR" altLang="en-US" b="0" i="0" dirty="0">
+                <a:solidFill>
+                  <a:srgbClr val="D1D5DB"/>
+                </a:solidFill>
+                <a:effectLst/>
+                <a:latin typeface="+mj-ea"/>
+                <a:ea typeface="+mj-ea"/>
+              </a:rPr>
+              <a:t> 만들면</a:t>
+            </a:r>
+            <a:r>
+              <a:rPr lang="en-US" altLang="ko-KR" b="0" i="0" dirty="0">
+                <a:solidFill>
+                  <a:srgbClr val="D1D5DB"/>
+                </a:solidFill>
+                <a:effectLst/>
+                <a:latin typeface="+mj-ea"/>
+                <a:ea typeface="+mj-ea"/>
+              </a:rPr>
+              <a:t>, </a:t>
+            </a:r>
+            <a:r>
+              <a:rPr lang="ko-KR" altLang="en-US" b="0" i="0" dirty="0">
+                <a:solidFill>
+                  <a:srgbClr val="D1D5DB"/>
+                </a:solidFill>
+                <a:effectLst/>
+                <a:latin typeface="+mj-ea"/>
+                <a:ea typeface="+mj-ea"/>
+              </a:rPr>
+              <a:t>비선형 영역인 곡선의 영역도 표현할 수 있습니다</a:t>
+            </a:r>
+            <a:r>
+              <a:rPr lang="en-US" altLang="ko-KR" b="0" i="0" dirty="0">
+                <a:solidFill>
+                  <a:srgbClr val="D1D5DB"/>
+                </a:solidFill>
+                <a:effectLst/>
+                <a:latin typeface="+mj-ea"/>
+                <a:ea typeface="+mj-ea"/>
+              </a:rPr>
+              <a:t>. </a:t>
+            </a:r>
+            <a:r>
+              <a:rPr lang="en-US" altLang="ko-KR" b="1" i="0" dirty="0">
+                <a:latin typeface="+mj-ea"/>
+                <a:ea typeface="+mj-ea"/>
+              </a:rPr>
+              <a:t>(</a:t>
+            </a:r>
+            <a:r>
+              <a:rPr lang="ko-KR" altLang="en-US" b="1" i="0" dirty="0">
+                <a:latin typeface="+mj-ea"/>
+                <a:ea typeface="+mj-ea"/>
+              </a:rPr>
+              <a:t>스페이스바</a:t>
+            </a:r>
+            <a:r>
+              <a:rPr lang="en-US" altLang="ko-KR" b="1" i="0" dirty="0">
+                <a:latin typeface="+mj-ea"/>
+                <a:ea typeface="+mj-ea"/>
+              </a:rPr>
+              <a:t>) </a:t>
+            </a:r>
+            <a:r>
+              <a:rPr lang="ko-KR" altLang="en-US" b="0" i="0" dirty="0">
+                <a:solidFill>
+                  <a:srgbClr val="D1D5DB"/>
+                </a:solidFill>
+                <a:effectLst/>
+                <a:latin typeface="+mj-ea"/>
+                <a:ea typeface="+mj-ea"/>
+              </a:rPr>
+              <a:t>다음 그림은 </a:t>
+            </a:r>
+            <a:r>
+              <a:rPr lang="en-US" altLang="ko-KR" b="0" i="0" dirty="0">
+                <a:solidFill>
+                  <a:srgbClr val="D1D5DB"/>
+                </a:solidFill>
+                <a:effectLst/>
+                <a:latin typeface="+mj-ea"/>
+                <a:ea typeface="+mj-ea"/>
+              </a:rPr>
+              <a:t>2</a:t>
+            </a:r>
+            <a:r>
+              <a:rPr lang="ko-KR" altLang="en-US" b="0" i="0" dirty="0">
+                <a:solidFill>
+                  <a:srgbClr val="D1D5DB"/>
+                </a:solidFill>
+                <a:effectLst/>
+                <a:latin typeface="+mj-ea"/>
+                <a:ea typeface="+mj-ea"/>
+              </a:rPr>
+              <a:t>층 </a:t>
+            </a:r>
+            <a:r>
+              <a:rPr lang="ko-KR" altLang="en-US" b="0" i="0" dirty="0" err="1">
+                <a:solidFill>
+                  <a:srgbClr val="D1D5DB"/>
+                </a:solidFill>
+                <a:effectLst/>
+                <a:latin typeface="+mj-ea"/>
+                <a:ea typeface="+mj-ea"/>
+              </a:rPr>
+              <a:t>퍼셉트론의</a:t>
+            </a:r>
+            <a:r>
+              <a:rPr lang="ko-KR" altLang="en-US" b="0" i="0" dirty="0">
+                <a:solidFill>
+                  <a:srgbClr val="D1D5DB"/>
+                </a:solidFill>
+                <a:effectLst/>
+                <a:latin typeface="+mj-ea"/>
+                <a:ea typeface="+mj-ea"/>
+              </a:rPr>
+              <a:t> 예시입니다</a:t>
+            </a:r>
+            <a:r>
+              <a:rPr lang="en-US" altLang="ko-KR" b="0" i="0" dirty="0">
+                <a:solidFill>
+                  <a:srgbClr val="D1D5DB"/>
+                </a:solidFill>
+                <a:effectLst/>
+                <a:latin typeface="+mj-ea"/>
+                <a:ea typeface="+mj-ea"/>
+              </a:rPr>
+              <a:t>. 0</a:t>
+            </a:r>
+            <a:r>
+              <a:rPr lang="ko-KR" altLang="en-US" b="0" i="0" dirty="0">
+                <a:solidFill>
+                  <a:srgbClr val="D1D5DB"/>
+                </a:solidFill>
+                <a:effectLst/>
+                <a:latin typeface="+mj-ea"/>
+                <a:ea typeface="+mj-ea"/>
+              </a:rPr>
+              <a:t>층에서 </a:t>
+            </a:r>
+            <a:r>
+              <a:rPr lang="en-US" altLang="ko-KR" b="0" i="0" dirty="0">
+                <a:solidFill>
+                  <a:srgbClr val="D1D5DB"/>
+                </a:solidFill>
+                <a:effectLst/>
+                <a:latin typeface="+mj-ea"/>
+                <a:ea typeface="+mj-ea"/>
+              </a:rPr>
+              <a:t>1</a:t>
+            </a:r>
+            <a:r>
+              <a:rPr lang="ko-KR" altLang="en-US" b="0" i="0" dirty="0">
+                <a:solidFill>
+                  <a:srgbClr val="D1D5DB"/>
+                </a:solidFill>
+                <a:effectLst/>
+                <a:latin typeface="+mj-ea"/>
+                <a:ea typeface="+mj-ea"/>
+              </a:rPr>
+              <a:t>층으로 신호가 전달되고</a:t>
+            </a:r>
+            <a:r>
+              <a:rPr lang="en-US" altLang="ko-KR" b="0" i="0" dirty="0">
+                <a:solidFill>
+                  <a:srgbClr val="D1D5DB"/>
+                </a:solidFill>
+                <a:effectLst/>
+                <a:latin typeface="+mj-ea"/>
+                <a:ea typeface="+mj-ea"/>
+              </a:rPr>
+              <a:t>, </a:t>
+            </a:r>
+            <a:r>
+              <a:rPr lang="ko-KR" altLang="en-US" b="0" i="0" dirty="0">
+                <a:solidFill>
+                  <a:srgbClr val="D1D5DB"/>
+                </a:solidFill>
+                <a:effectLst/>
+                <a:latin typeface="+mj-ea"/>
+                <a:ea typeface="+mj-ea"/>
+              </a:rPr>
+              <a:t>이어서 </a:t>
+            </a:r>
+            <a:r>
+              <a:rPr lang="en-US" altLang="ko-KR" b="0" i="0" dirty="0">
+                <a:solidFill>
+                  <a:srgbClr val="D1D5DB"/>
+                </a:solidFill>
+                <a:effectLst/>
+                <a:latin typeface="+mj-ea"/>
+                <a:ea typeface="+mj-ea"/>
+              </a:rPr>
+              <a:t>1</a:t>
+            </a:r>
+            <a:r>
+              <a:rPr lang="ko-KR" altLang="en-US" b="0" i="0" dirty="0">
+                <a:solidFill>
+                  <a:srgbClr val="D1D5DB"/>
+                </a:solidFill>
+                <a:effectLst/>
+                <a:latin typeface="+mj-ea"/>
+                <a:ea typeface="+mj-ea"/>
+              </a:rPr>
+              <a:t>층에서 </a:t>
+            </a:r>
+            <a:r>
+              <a:rPr lang="en-US" altLang="ko-KR" b="0" i="0" dirty="0">
+                <a:solidFill>
+                  <a:srgbClr val="D1D5DB"/>
+                </a:solidFill>
+                <a:effectLst/>
+                <a:latin typeface="+mj-ea"/>
+                <a:ea typeface="+mj-ea"/>
+              </a:rPr>
+              <a:t>2</a:t>
+            </a:r>
+            <a:r>
+              <a:rPr lang="ko-KR" altLang="en-US" b="0" i="0" dirty="0">
+                <a:solidFill>
+                  <a:srgbClr val="D1D5DB"/>
+                </a:solidFill>
+                <a:effectLst/>
+                <a:latin typeface="+mj-ea"/>
+                <a:ea typeface="+mj-ea"/>
+              </a:rPr>
+              <a:t>층으로 신호가 전달되는데</a:t>
+            </a:r>
+            <a:r>
+              <a:rPr lang="en-US" altLang="ko-KR" b="0" i="0" dirty="0">
+                <a:solidFill>
+                  <a:srgbClr val="D1D5DB"/>
+                </a:solidFill>
+                <a:effectLst/>
+                <a:latin typeface="+mj-ea"/>
+                <a:ea typeface="+mj-ea"/>
+              </a:rPr>
+              <a:t>, </a:t>
+            </a:r>
+            <a:r>
+              <a:rPr lang="ko-KR" altLang="en-US" b="0" i="0" dirty="0">
+                <a:solidFill>
+                  <a:srgbClr val="D1D5DB"/>
+                </a:solidFill>
+                <a:effectLst/>
+                <a:latin typeface="+mj-ea"/>
+                <a:ea typeface="+mj-ea"/>
+              </a:rPr>
+              <a:t>이 과정은 공장 조립라인에서 작업자들이 부품을 전달하는 것과 유사합니다</a:t>
+            </a:r>
+            <a:r>
+              <a:rPr lang="en-US" altLang="ko-KR" b="0" i="0" dirty="0">
+                <a:solidFill>
+                  <a:srgbClr val="D1D5DB"/>
+                </a:solidFill>
+                <a:effectLst/>
+                <a:latin typeface="+mj-ea"/>
+                <a:ea typeface="+mj-ea"/>
+              </a:rPr>
+              <a:t>. </a:t>
+            </a:r>
+            <a:r>
+              <a:rPr lang="ko-KR" altLang="en-US" dirty="0"/>
+              <a:t>마지막으로 저희가 간단한 퀴즈 </a:t>
+            </a:r>
+            <a:r>
+              <a:rPr lang="en-US" altLang="ko-KR" dirty="0"/>
+              <a:t>2</a:t>
+            </a:r>
+            <a:r>
+              <a:rPr lang="ko-KR" altLang="en-US" dirty="0"/>
+              <a:t>개를 준비해보았습니다</a:t>
+            </a:r>
+            <a:r>
+              <a:rPr lang="en-US" altLang="ko-KR" dirty="0"/>
+              <a:t>. </a:t>
+            </a:r>
+            <a:r>
+              <a:rPr lang="ko-KR" altLang="en-US" dirty="0"/>
+              <a:t>맞추시면 소정의 선물을 드리겠습니다</a:t>
+            </a:r>
+            <a:r>
+              <a:rPr lang="en-US" altLang="ko-KR" dirty="0"/>
+              <a:t>. </a:t>
+            </a:r>
+            <a:r>
+              <a:rPr lang="en-US" altLang="ko-KR" b="1" i="0" dirty="0">
+                <a:latin typeface="+mj-ea"/>
+                <a:ea typeface="+mj-ea"/>
+              </a:rPr>
+              <a:t>(</a:t>
+            </a:r>
+            <a:r>
+              <a:rPr lang="ko-KR" altLang="en-US" b="1" i="0" dirty="0">
+                <a:latin typeface="+mj-ea"/>
+                <a:ea typeface="+mj-ea"/>
+              </a:rPr>
+              <a:t>스페이스바</a:t>
+            </a:r>
+            <a:r>
+              <a:rPr lang="en-US" altLang="ko-KR" b="1" i="0" dirty="0">
+                <a:latin typeface="+mj-ea"/>
+                <a:ea typeface="+mj-ea"/>
+              </a:rPr>
+              <a:t>) </a:t>
+            </a:r>
+            <a:endParaRPr dirty="0">
+              <a:latin typeface="+mj-ea"/>
+              <a:ea typeface="+mj-ea"/>
+            </a:endParaRPr>
           </a:p>
         </p:txBody>
       </p:sp>
@@ -1614,7 +2360,203 @@
               </a:spcAft>
               <a:buNone/>
             </a:pPr>
-            <a:endParaRPr/>
+            <a:r>
+              <a:rPr lang="ko-KR" altLang="en-US" dirty="0"/>
+              <a:t>첫 번째 문제입니다</a:t>
+            </a:r>
+            <a:r>
+              <a:rPr lang="en-US" altLang="ko-KR" dirty="0"/>
+              <a:t>. </a:t>
+            </a:r>
+            <a:r>
+              <a:rPr lang="ko-KR" altLang="en-US" dirty="0"/>
+              <a:t>하나의 배열의 차원이 </a:t>
+            </a:r>
+            <a:r>
+              <a:rPr lang="en-US" altLang="ko-KR" dirty="0"/>
+              <a:t>1</a:t>
+            </a:r>
+            <a:r>
+              <a:rPr lang="ko-KR" altLang="en-US" dirty="0"/>
+              <a:t>인 경우 </a:t>
+            </a:r>
+            <a:r>
+              <a:rPr lang="ko-KR" altLang="en-US" dirty="0" err="1"/>
+              <a:t>브로드캐스팅이</a:t>
+            </a:r>
+            <a:r>
+              <a:rPr lang="ko-KR" altLang="en-US" dirty="0"/>
+              <a:t> 가능하다</a:t>
+            </a:r>
+            <a:r>
+              <a:rPr lang="en-US" altLang="ko-KR" dirty="0"/>
+              <a:t>. </a:t>
+            </a:r>
+            <a:r>
+              <a:rPr lang="en-US" altLang="ko-KR" b="1" i="0" dirty="0">
+                <a:latin typeface="+mj-ea"/>
+                <a:ea typeface="+mj-ea"/>
+              </a:rPr>
+              <a:t>(</a:t>
+            </a:r>
+            <a:r>
+              <a:rPr lang="ko-KR" altLang="en-US" b="1" i="0" dirty="0">
+                <a:latin typeface="+mj-ea"/>
+                <a:ea typeface="+mj-ea"/>
+              </a:rPr>
+              <a:t>스페이스바</a:t>
+            </a:r>
+            <a:r>
+              <a:rPr lang="en-US" altLang="ko-KR" b="1" i="0" dirty="0">
+                <a:latin typeface="+mj-ea"/>
+                <a:ea typeface="+mj-ea"/>
+              </a:rPr>
+              <a:t>) </a:t>
+            </a:r>
+            <a:r>
+              <a:rPr lang="ko-KR" altLang="en-US" b="0" i="0" dirty="0">
+                <a:latin typeface="+mj-ea"/>
+                <a:ea typeface="+mj-ea"/>
+              </a:rPr>
+              <a:t>정답은 </a:t>
+            </a:r>
+            <a:r>
+              <a:rPr lang="en-US" altLang="ko-KR" b="0" i="0" dirty="0">
+                <a:latin typeface="+mj-ea"/>
+                <a:ea typeface="+mj-ea"/>
+              </a:rPr>
+              <a:t>O</a:t>
+            </a:r>
+            <a:r>
+              <a:rPr lang="ko-KR" altLang="en-US" b="0" i="0" dirty="0">
+                <a:latin typeface="+mj-ea"/>
+                <a:ea typeface="+mj-ea"/>
+              </a:rPr>
+              <a:t>였습니다</a:t>
+            </a:r>
+            <a:r>
+              <a:rPr lang="en-US" altLang="ko-KR" b="0" i="0" dirty="0">
+                <a:latin typeface="+mj-ea"/>
+                <a:ea typeface="+mj-ea"/>
+              </a:rPr>
+              <a:t>. </a:t>
+            </a:r>
+            <a:r>
+              <a:rPr lang="ko-KR" altLang="en-US" b="0" i="0" dirty="0">
+                <a:latin typeface="+mj-ea"/>
+                <a:ea typeface="+mj-ea"/>
+              </a:rPr>
+              <a:t>앞서 </a:t>
+            </a:r>
+            <a:r>
+              <a:rPr lang="ko-KR" altLang="en-US" b="0" i="0" dirty="0" err="1">
+                <a:latin typeface="+mj-ea"/>
+                <a:ea typeface="+mj-ea"/>
+              </a:rPr>
+              <a:t>설명드린대로</a:t>
+            </a:r>
+            <a:r>
+              <a:rPr lang="ko-KR" altLang="en-US" b="0" i="0" dirty="0">
+                <a:latin typeface="+mj-ea"/>
+                <a:ea typeface="+mj-ea"/>
+              </a:rPr>
+              <a:t> </a:t>
+            </a:r>
+            <a:r>
+              <a:rPr lang="ko-KR" altLang="en-US" b="0" i="0" dirty="0">
+                <a:solidFill>
+                  <a:srgbClr val="D1D5DB"/>
+                </a:solidFill>
+                <a:effectLst/>
+                <a:latin typeface="+mj-ea"/>
+                <a:ea typeface="+mj-ea"/>
+              </a:rPr>
+              <a:t>두 배열 중 적어도 하나의 배열의 차원이 </a:t>
+            </a:r>
+            <a:r>
+              <a:rPr lang="en-US" altLang="ko-KR" b="0" i="0" dirty="0">
+                <a:solidFill>
+                  <a:srgbClr val="D1D5DB"/>
+                </a:solidFill>
+                <a:effectLst/>
+                <a:latin typeface="+mj-ea"/>
+                <a:ea typeface="+mj-ea"/>
+              </a:rPr>
+              <a:t>1</a:t>
+            </a:r>
+            <a:r>
+              <a:rPr lang="ko-KR" altLang="en-US" b="0" i="0" dirty="0">
+                <a:solidFill>
+                  <a:srgbClr val="D1D5DB"/>
+                </a:solidFill>
+                <a:effectLst/>
+                <a:latin typeface="+mj-ea"/>
+                <a:ea typeface="+mj-ea"/>
+              </a:rPr>
+              <a:t>이어야 </a:t>
+            </a:r>
+            <a:r>
+              <a:rPr lang="ko-KR" altLang="en-US" b="0" i="0" dirty="0" err="1">
+                <a:solidFill>
+                  <a:srgbClr val="D1D5DB"/>
+                </a:solidFill>
+                <a:effectLst/>
+                <a:latin typeface="+mj-ea"/>
+                <a:ea typeface="+mj-ea"/>
+              </a:rPr>
+              <a:t>브로드캐스팅이</a:t>
+            </a:r>
+            <a:r>
+              <a:rPr lang="ko-KR" altLang="en-US" b="0" i="0" dirty="0">
+                <a:solidFill>
+                  <a:srgbClr val="D1D5DB"/>
+                </a:solidFill>
+                <a:effectLst/>
+                <a:latin typeface="+mj-ea"/>
+                <a:ea typeface="+mj-ea"/>
+              </a:rPr>
+              <a:t> 가능합니다</a:t>
+            </a:r>
+            <a:r>
+              <a:rPr lang="en-US" altLang="ko-KR" b="0" i="0" dirty="0">
+                <a:solidFill>
+                  <a:srgbClr val="D1D5DB"/>
+                </a:solidFill>
+                <a:effectLst/>
+                <a:latin typeface="+mj-ea"/>
+                <a:ea typeface="+mj-ea"/>
+              </a:rPr>
+              <a:t>.</a:t>
+            </a:r>
+            <a:r>
+              <a:rPr lang="en-US" altLang="ko-KR" b="0" i="0" dirty="0">
+                <a:latin typeface="+mj-ea"/>
+                <a:ea typeface="+mj-ea"/>
+              </a:rPr>
+              <a:t> </a:t>
+            </a:r>
+            <a:r>
+              <a:rPr lang="en-US" altLang="ko-KR" b="1" i="0" dirty="0">
+                <a:latin typeface="+mj-ea"/>
+                <a:ea typeface="+mj-ea"/>
+              </a:rPr>
+              <a:t>(</a:t>
+            </a:r>
+            <a:r>
+              <a:rPr lang="ko-KR" altLang="en-US" b="1" i="0" dirty="0">
+                <a:latin typeface="+mj-ea"/>
+                <a:ea typeface="+mj-ea"/>
+              </a:rPr>
+              <a:t>스페이스바</a:t>
+            </a:r>
+            <a:r>
+              <a:rPr lang="en-US" altLang="ko-KR" b="1" i="0" dirty="0">
+                <a:latin typeface="+mj-ea"/>
+                <a:ea typeface="+mj-ea"/>
+              </a:rPr>
+              <a:t>) </a:t>
+            </a:r>
+            <a:endParaRPr b="1" dirty="0"/>
           </a:p>
         </p:txBody>
       </p:sp>
@@ -1714,6 +2656,112 @@
           </a:bodyPr>
           <a:lstStyle/>
           <a:p>
+            <a:pPr marL="0" marR="0" lvl="0" indent="0" algn="l" defTabSz="914400" rtl="0" eaLnBrk="1" fontAlgn="auto" latinLnBrk="0" hangingPunct="1">
+              <a:lnSpc>
+                <a:spcPct val="100000"/>
+              </a:lnSpc>
+              <a:spcBef>
+                <a:spcPts val="0"/>
+              </a:spcBef>
+              <a:spcAft>
+                <a:spcPts val="0"/>
+              </a:spcAft>
+              <a:buClr>
+                <a:srgbClr val="000000"/>
+              </a:buClr>
+              <a:buSzPts val="1100"/>
+              <a:buFont typeface="Arial"/>
+              <a:buNone/>
+              <a:tabLst/>
+              <a:defRPr/>
+            </a:pPr>
+            <a:r>
+              <a:rPr lang="ko-KR" altLang="en-US" dirty="0"/>
+              <a:t>두 번째 문제입니다</a:t>
+            </a:r>
+            <a:r>
+              <a:rPr lang="en-US" altLang="ko-KR" dirty="0"/>
+              <a:t>. </a:t>
+            </a:r>
+            <a:r>
+              <a:rPr lang="ko-KR" altLang="en-US" dirty="0" err="1"/>
+              <a:t>퍼셉트론</a:t>
+            </a:r>
+            <a:r>
+              <a:rPr lang="ko-KR" altLang="en-US" dirty="0"/>
+              <a:t> 구현 시 사용되는 매개변수 </a:t>
+            </a:r>
+            <a:r>
+              <a:rPr lang="en-US" altLang="ko-KR" dirty="0"/>
+              <a:t>2</a:t>
+            </a:r>
+            <a:r>
+              <a:rPr lang="ko-KR" altLang="en-US" dirty="0"/>
+              <a:t>가지는 무엇일까요</a:t>
+            </a:r>
+            <a:r>
+              <a:rPr lang="en-US" altLang="ko-KR" dirty="0"/>
+              <a:t>? </a:t>
+            </a:r>
+            <a:r>
+              <a:rPr lang="en-US" altLang="ko-KR" b="1" i="0" dirty="0">
+                <a:latin typeface="+mj-ea"/>
+                <a:ea typeface="+mj-ea"/>
+              </a:rPr>
+              <a:t>(</a:t>
+            </a:r>
+            <a:r>
+              <a:rPr lang="ko-KR" altLang="en-US" b="1" i="0" dirty="0">
+                <a:latin typeface="+mj-ea"/>
+                <a:ea typeface="+mj-ea"/>
+              </a:rPr>
+              <a:t>스페이스바</a:t>
+            </a:r>
+            <a:r>
+              <a:rPr lang="en-US" altLang="ko-KR" b="1" i="0" dirty="0">
+                <a:latin typeface="+mj-ea"/>
+                <a:ea typeface="+mj-ea"/>
+              </a:rPr>
+              <a:t>) </a:t>
+            </a:r>
+            <a:r>
+              <a:rPr lang="ko-KR" altLang="en-US" b="0" i="0" dirty="0">
+                <a:latin typeface="+mj-ea"/>
+                <a:ea typeface="+mj-ea"/>
+              </a:rPr>
+              <a:t>정답은 가중치와 편향이었습니다</a:t>
+            </a:r>
+            <a:r>
+              <a:rPr lang="en-US" altLang="ko-KR" b="0" i="0" dirty="0">
+                <a:latin typeface="+mj-ea"/>
+                <a:ea typeface="+mj-ea"/>
+              </a:rPr>
+              <a:t>. </a:t>
+            </a:r>
+            <a:r>
+              <a:rPr lang="en-US" altLang="ko-KR" b="1" i="0" dirty="0">
+                <a:latin typeface="+mj-ea"/>
+                <a:ea typeface="+mj-ea"/>
+              </a:rPr>
+              <a:t>(</a:t>
+            </a:r>
+            <a:r>
+              <a:rPr lang="ko-KR" altLang="en-US" b="1" i="0" dirty="0">
+                <a:latin typeface="+mj-ea"/>
+                <a:ea typeface="+mj-ea"/>
+              </a:rPr>
+              <a:t>스페이스바</a:t>
+            </a:r>
+            <a:r>
+              <a:rPr lang="en-US" altLang="ko-KR" b="1" i="0" dirty="0">
+                <a:latin typeface="+mj-ea"/>
+                <a:ea typeface="+mj-ea"/>
+              </a:rPr>
+              <a:t>) </a:t>
+            </a:r>
+            <a:endParaRPr lang="ko-KR" altLang="en-US" b="1" dirty="0"/>
+          </a:p>
+          <a:p>
             <a:pPr marL="0" lvl="0" indent="0" algn="l" rtl="0">
               <a:spcBef>
                 <a:spcPts val="0"/>
@@ -1723,7 +2771,7 @@
               </a:spcAft>
               <a:buNone/>
             </a:pPr>
-            <a:endParaRPr/>
+            <a:endParaRPr dirty="0"/>
           </a:p>
         </p:txBody>
       </p:sp>
@@ -1832,7 +2880,27 @@
               </a:spcAft>
               <a:buNone/>
             </a:pPr>
-            <a:endParaRPr/>
+            <a:r>
+              <a:rPr lang="ko-KR" altLang="en-US" dirty="0"/>
+              <a:t>지금까지 발표를 맡았던 </a:t>
+            </a:r>
+            <a:r>
+              <a:rPr lang="ko-KR" altLang="en-US" dirty="0" err="1"/>
+              <a:t>정서현이었습니다</a:t>
+            </a:r>
+            <a:r>
+              <a:rPr lang="en-US" altLang="ko-KR" dirty="0"/>
+              <a:t>. </a:t>
+            </a:r>
+            <a:r>
+              <a:rPr lang="ko-KR" altLang="en-US" dirty="0"/>
+              <a:t>감사합니다</a:t>
+            </a:r>
+            <a:r>
+              <a:rPr lang="en-US" altLang="ko-KR" dirty="0"/>
+              <a:t>.</a:t>
+            </a:r>
+            <a:endParaRPr dirty="0"/>
           </a:p>
         </p:txBody>
       </p:sp>
@@ -1932,6 +3000,140 @@
           </a:bodyPr>
           <a:lstStyle/>
           <a:p>
+            <a:pPr marL="0" marR="0" lvl="0" indent="0" algn="l" defTabSz="914400" rtl="0" eaLnBrk="1" fontAlgn="auto" latinLnBrk="0" hangingPunct="1">
+              <a:lnSpc>
+                <a:spcPct val="100000"/>
+              </a:lnSpc>
+              <a:spcBef>
+                <a:spcPts val="0"/>
+              </a:spcBef>
+              <a:spcAft>
+                <a:spcPts val="0"/>
+              </a:spcAft>
+              <a:buClr>
+                <a:srgbClr val="000000"/>
+              </a:buClr>
+              <a:buSzPts val="1100"/>
+              <a:buFont typeface="Arial"/>
+              <a:buNone/>
+              <a:tabLst/>
+              <a:defRPr/>
+            </a:pPr>
+            <a:r>
+              <a:rPr lang="en-US" altLang="ko-KR" b="1" dirty="0">
+                <a:solidFill>
+                  <a:srgbClr val="FF0000"/>
+                </a:solidFill>
+              </a:rPr>
+              <a:t>(</a:t>
+            </a:r>
+            <a:r>
+              <a:rPr lang="ko-KR" altLang="en-US" b="1" dirty="0">
+                <a:solidFill>
+                  <a:srgbClr val="FF0000"/>
+                </a:solidFill>
+              </a:rPr>
+              <a:t>스페이스바</a:t>
+            </a:r>
+            <a:r>
+              <a:rPr lang="en-US" altLang="ko-KR" b="1" dirty="0">
+                <a:solidFill>
+                  <a:srgbClr val="FF0000"/>
+                </a:solidFill>
+              </a:rPr>
+              <a:t>)</a:t>
+            </a:r>
+            <a:r>
+              <a:rPr lang="ko-KR" altLang="en-US" dirty="0"/>
+              <a:t>저희 </a:t>
+            </a:r>
+            <a:r>
+              <a:rPr lang="en-US" altLang="ko-KR" dirty="0"/>
+              <a:t>1</a:t>
+            </a:r>
+            <a:r>
+              <a:rPr lang="ko-KR" altLang="en-US" dirty="0"/>
+              <a:t>조는 응용통계학과인 저와 </a:t>
+            </a:r>
+            <a:r>
+              <a:rPr lang="ko-KR" altLang="en-US" dirty="0" err="1"/>
+              <a:t>정달민님</a:t>
+            </a:r>
+            <a:r>
+              <a:rPr lang="en-US" altLang="ko-KR" dirty="0"/>
+              <a:t>,</a:t>
+            </a:r>
+            <a:r>
+              <a:rPr lang="ko-KR" altLang="en-US" dirty="0"/>
+              <a:t> </a:t>
+            </a:r>
+            <a:r>
+              <a:rPr lang="en-US" altLang="ko-KR" dirty="0"/>
+              <a:t>ai</a:t>
+            </a:r>
+            <a:r>
+              <a:rPr lang="ko-KR" altLang="en-US" dirty="0"/>
+              <a:t>학과의 김예원님과 </a:t>
+            </a:r>
+            <a:r>
+              <a:rPr lang="ko-KR" altLang="en-US" dirty="0" err="1"/>
+              <a:t>오규안님으로</a:t>
+            </a:r>
+            <a:r>
+              <a:rPr lang="ko-KR" altLang="en-US" dirty="0"/>
+              <a:t> 이루어져 있고 </a:t>
+            </a:r>
+            <a:r>
+              <a:rPr lang="en-US" altLang="ko-KR" b="1" dirty="0"/>
+              <a:t>(</a:t>
+            </a:r>
+            <a:r>
+              <a:rPr lang="ko-KR" altLang="en-US" b="1" dirty="0"/>
+              <a:t>스페이스바</a:t>
+            </a:r>
+            <a:r>
+              <a:rPr lang="en-US" altLang="ko-KR" b="1" dirty="0"/>
+              <a:t>) </a:t>
+            </a:r>
+            <a:r>
+              <a:rPr lang="ko-KR" altLang="en-US" dirty="0"/>
+              <a:t>저희는 매주 금요일 오후 </a:t>
+            </a:r>
+            <a:r>
+              <a:rPr lang="en-US" altLang="ko-KR" dirty="0"/>
+              <a:t>7</a:t>
+            </a:r>
+            <a:r>
+              <a:rPr lang="ko-KR" altLang="en-US" dirty="0"/>
+              <a:t>시부터 </a:t>
+            </a:r>
+            <a:r>
+              <a:rPr lang="en-US" altLang="ko-KR" dirty="0"/>
+              <a:t>9</a:t>
+            </a:r>
+            <a:r>
+              <a:rPr lang="ko-KR" altLang="en-US" dirty="0"/>
+              <a:t>시까지 스터디를 진행하고 있습니다</a:t>
+            </a:r>
+            <a:r>
+              <a:rPr lang="en-US" altLang="ko-KR" dirty="0"/>
+              <a:t>. </a:t>
+            </a:r>
+            <a:r>
+              <a:rPr lang="en-US" altLang="ko-KR" b="1" i="0" dirty="0"/>
+              <a:t>(</a:t>
+            </a:r>
+            <a:r>
+              <a:rPr lang="ko-KR" altLang="en-US" b="1" i="0" dirty="0"/>
+              <a:t>스페이스바</a:t>
+            </a:r>
+            <a:r>
+              <a:rPr lang="en-US" altLang="ko-KR" b="1" i="0" dirty="0"/>
+              <a:t>)</a:t>
+            </a:r>
+            <a:endParaRPr lang="ko-KR" altLang="en-US" dirty="0"/>
+          </a:p>
+          <a:p>
             <a:pPr marL="0" lvl="0" indent="0" algn="l" rtl="0">
               <a:spcBef>
                 <a:spcPts val="0"/>
@@ -1941,7 +3143,7 @@
               </a:spcAft>
               <a:buNone/>
             </a:pPr>
-            <a:endParaRPr/>
+            <a:endParaRPr dirty="0"/>
           </a:p>
         </p:txBody>
       </p:sp>
@@ -2036,6 +3238,48 @@
           </a:bodyPr>
           <a:lstStyle/>
           <a:p>
+            <a:pPr marL="0" marR="0" lvl="0" indent="0" algn="l" defTabSz="914400" rtl="0" eaLnBrk="1" fontAlgn="auto" latinLnBrk="0" hangingPunct="1">
+              <a:lnSpc>
+                <a:spcPct val="100000"/>
+              </a:lnSpc>
+              <a:spcBef>
+                <a:spcPts val="0"/>
+              </a:spcBef>
+              <a:spcAft>
+                <a:spcPts val="0"/>
+              </a:spcAft>
+              <a:buClr>
+                <a:srgbClr val="000000"/>
+              </a:buClr>
+              <a:buSzPts val="1100"/>
+              <a:buFont typeface="Arial"/>
+              <a:buNone/>
+              <a:tabLst/>
+              <a:defRPr/>
+            </a:pPr>
+            <a:r>
+              <a:rPr lang="ko-KR" altLang="en-US" dirty="0"/>
+              <a:t>이번 발표의 목차는 다음과 같습니다</a:t>
+            </a:r>
+            <a:r>
+              <a:rPr lang="en-US" altLang="ko-KR" dirty="0"/>
+              <a:t>. </a:t>
+            </a:r>
+            <a:r>
+              <a:rPr lang="en-US" altLang="ko-KR" b="1" i="0" dirty="0"/>
+              <a:t>(</a:t>
+            </a:r>
+            <a:r>
+              <a:rPr lang="ko-KR" altLang="en-US" b="1" i="0" dirty="0"/>
+              <a:t>스페이스바</a:t>
+            </a:r>
+            <a:r>
+              <a:rPr lang="en-US" altLang="ko-KR" b="1" i="0" dirty="0"/>
+              <a:t>)</a:t>
+            </a:r>
+            <a:endParaRPr lang="ko-KR" altLang="en-US" dirty="0"/>
+          </a:p>
+          <a:p>
             <a:pPr marL="0" lvl="0" indent="0" algn="l" rtl="0">
               <a:spcBef>
                 <a:spcPts val="0"/>
@@ -2045,7 +3289,7 @@
               </a:spcAft>
               <a:buNone/>
             </a:pPr>
-            <a:endParaRPr/>
+            <a:endParaRPr dirty="0"/>
           </a:p>
         </p:txBody>
       </p:sp>
@@ -2140,16 +3384,228 @@
           </a:bodyPr>
           <a:lstStyle/>
           <a:p>
-            <a:pPr marL="0" lvl="0" indent="0" algn="l" rtl="0">
-              <a:spcBef>
-                <a:spcPts val="0"/>
-              </a:spcBef>
-              <a:spcAft>
-                <a:spcPts val="0"/>
-              </a:spcAft>
-              <a:buNone/>
+            <a:pPr marL="0" marR="0" lvl="0" indent="0" algn="l" defTabSz="914400" rtl="0" eaLnBrk="1" fontAlgn="auto" latinLnBrk="0" hangingPunct="1">
+              <a:lnSpc>
+                <a:spcPct val="100000"/>
+              </a:lnSpc>
+              <a:spcBef>
+                <a:spcPts val="0"/>
+              </a:spcBef>
+              <a:spcAft>
+                <a:spcPts val="0"/>
+              </a:spcAft>
+              <a:buClr>
+                <a:srgbClr val="000000"/>
+              </a:buClr>
+              <a:buSzPts val="1100"/>
+              <a:buFont typeface="Arial"/>
+              <a:buNone/>
+              <a:tabLst/>
+              <a:defRPr/>
             </a:pPr>
-            <a:endParaRPr/>
+            <a:r>
+              <a:rPr lang="ko-KR" altLang="en-US" dirty="0">
+                <a:latin typeface="+mj-ea"/>
+                <a:ea typeface="+mj-ea"/>
+              </a:rPr>
+              <a:t>저희 </a:t>
+            </a:r>
+            <a:r>
+              <a:rPr lang="ko-KR" altLang="en-US" b="0" i="0" dirty="0">
+                <a:solidFill>
+                  <a:srgbClr val="D1D5DB"/>
+                </a:solidFill>
+                <a:effectLst/>
+                <a:latin typeface="+mj-ea"/>
+                <a:ea typeface="+mj-ea"/>
+              </a:rPr>
+              <a:t>스터디 책인 </a:t>
+            </a:r>
+            <a:r>
+              <a:rPr lang="en-US" altLang="ko-KR" b="0" i="0" dirty="0">
+                <a:solidFill>
+                  <a:srgbClr val="D1D5DB"/>
+                </a:solidFill>
+                <a:effectLst/>
+                <a:latin typeface="+mj-ea"/>
+                <a:ea typeface="+mj-ea"/>
+              </a:rPr>
+              <a:t>"</a:t>
+            </a:r>
+            <a:r>
+              <a:rPr lang="ko-KR" altLang="en-US" b="0" i="0" dirty="0">
+                <a:solidFill>
+                  <a:srgbClr val="D1D5DB"/>
+                </a:solidFill>
+                <a:effectLst/>
+                <a:latin typeface="+mj-ea"/>
+                <a:ea typeface="+mj-ea"/>
+              </a:rPr>
+              <a:t>밑바닥부터 시작하는 딥러닝</a:t>
+            </a:r>
+            <a:r>
+              <a:rPr lang="en-US" altLang="ko-KR" b="0" i="0" dirty="0">
+                <a:solidFill>
+                  <a:srgbClr val="D1D5DB"/>
+                </a:solidFill>
+                <a:effectLst/>
+                <a:latin typeface="+mj-ea"/>
+                <a:ea typeface="+mj-ea"/>
+              </a:rPr>
+              <a:t>1"</a:t>
+            </a:r>
+            <a:r>
+              <a:rPr lang="ko-KR" altLang="en-US" b="0" i="0" dirty="0">
+                <a:solidFill>
+                  <a:srgbClr val="D1D5DB"/>
+                </a:solidFill>
+                <a:effectLst/>
+                <a:latin typeface="+mj-ea"/>
+                <a:ea typeface="+mj-ea"/>
+              </a:rPr>
+              <a:t>의 </a:t>
+            </a:r>
+            <a:r>
+              <a:rPr lang="en-US" altLang="ko-KR" b="0" i="0" dirty="0">
+                <a:solidFill>
+                  <a:srgbClr val="D1D5DB"/>
+                </a:solidFill>
+                <a:effectLst/>
+                <a:latin typeface="+mj-ea"/>
+                <a:ea typeface="+mj-ea"/>
+              </a:rPr>
+              <a:t>1</a:t>
+            </a:r>
+            <a:r>
+              <a:rPr lang="ko-KR" altLang="en-US" b="0" i="0" dirty="0">
+                <a:solidFill>
+                  <a:srgbClr val="D1D5DB"/>
+                </a:solidFill>
+                <a:effectLst/>
+                <a:latin typeface="+mj-ea"/>
+                <a:ea typeface="+mj-ea"/>
+              </a:rPr>
+              <a:t>장은 파이썬 기본 내용으로 구성되어 있습니다</a:t>
+            </a:r>
+            <a:r>
+              <a:rPr lang="en-US" altLang="ko-KR" dirty="0">
+                <a:latin typeface="+mj-ea"/>
+                <a:ea typeface="+mj-ea"/>
+              </a:rPr>
+              <a:t>. </a:t>
+            </a:r>
+            <a:r>
+              <a:rPr lang="en-US" altLang="ko-KR" b="1" i="0" dirty="0">
+                <a:latin typeface="+mj-ea"/>
+                <a:ea typeface="+mj-ea"/>
+              </a:rPr>
+              <a:t>(</a:t>
+            </a:r>
+            <a:r>
+              <a:rPr lang="ko-KR" altLang="en-US" b="1" i="0" dirty="0">
+                <a:latin typeface="+mj-ea"/>
+                <a:ea typeface="+mj-ea"/>
+              </a:rPr>
+              <a:t>스페이스바</a:t>
+            </a:r>
+            <a:r>
+              <a:rPr lang="en-US" altLang="ko-KR" b="1" i="0" dirty="0">
+                <a:latin typeface="+mj-ea"/>
+                <a:ea typeface="+mj-ea"/>
+              </a:rPr>
+              <a:t>)</a:t>
+            </a:r>
+            <a:r>
+              <a:rPr lang="ko-KR" altLang="en-US" b="0" i="0" dirty="0">
+                <a:solidFill>
+                  <a:srgbClr val="000000"/>
+                </a:solidFill>
+                <a:effectLst/>
+                <a:latin typeface="+mj-ea"/>
+                <a:ea typeface="+mj-ea"/>
+              </a:rPr>
+              <a:t> </a:t>
+            </a:r>
+            <a:r>
+              <a:rPr lang="ko-KR" altLang="en-US" b="0" i="0" dirty="0">
+                <a:solidFill>
+                  <a:srgbClr val="D1D5DB"/>
+                </a:solidFill>
+                <a:effectLst/>
+                <a:latin typeface="+mj-ea"/>
+                <a:ea typeface="+mj-ea"/>
+              </a:rPr>
+              <a:t>오늘은 이 중에서도 </a:t>
+            </a:r>
+            <a:r>
+              <a:rPr lang="ko-KR" altLang="en-US" b="0" i="0" dirty="0" err="1">
+                <a:solidFill>
+                  <a:srgbClr val="D1D5DB"/>
+                </a:solidFill>
+                <a:effectLst/>
+                <a:latin typeface="+mj-ea"/>
+                <a:ea typeface="+mj-ea"/>
+              </a:rPr>
+              <a:t>브로드캐스트에</a:t>
+            </a:r>
+            <a:r>
+              <a:rPr lang="ko-KR" altLang="en-US" b="0" i="0" dirty="0">
+                <a:solidFill>
+                  <a:srgbClr val="D1D5DB"/>
+                </a:solidFill>
+                <a:effectLst/>
+                <a:latin typeface="+mj-ea"/>
+                <a:ea typeface="+mj-ea"/>
+              </a:rPr>
+              <a:t> 대해서 간단히 살펴보려고 합니다</a:t>
+            </a:r>
+            <a:r>
+              <a:rPr lang="en-US" altLang="ko-KR" b="0" i="0" dirty="0">
+                <a:solidFill>
+                  <a:srgbClr val="D1D5DB"/>
+                </a:solidFill>
+                <a:effectLst/>
+                <a:latin typeface="+mj-ea"/>
+                <a:ea typeface="+mj-ea"/>
+              </a:rPr>
+              <a:t>.</a:t>
+            </a:r>
+            <a:r>
+              <a:rPr lang="en-US" altLang="ko-KR" b="1" i="0" dirty="0">
+                <a:latin typeface="+mj-ea"/>
+                <a:ea typeface="+mj-ea"/>
+              </a:rPr>
+              <a:t> (</a:t>
+            </a:r>
+            <a:r>
+              <a:rPr lang="ko-KR" altLang="en-US" b="1" i="0" dirty="0">
+                <a:latin typeface="+mj-ea"/>
+                <a:ea typeface="+mj-ea"/>
+              </a:rPr>
+              <a:t>스페이스바</a:t>
+            </a:r>
+            <a:r>
+              <a:rPr lang="en-US" altLang="ko-KR" b="1" i="0" dirty="0">
+                <a:latin typeface="+mj-ea"/>
+                <a:ea typeface="+mj-ea"/>
+              </a:rPr>
+              <a:t>)</a:t>
+            </a:r>
+            <a:r>
+              <a:rPr lang="ko-KR" altLang="en-US" b="0" i="0" dirty="0">
+                <a:solidFill>
+                  <a:srgbClr val="000000"/>
+                </a:solidFill>
+                <a:effectLst/>
+                <a:latin typeface="+mj-ea"/>
+                <a:ea typeface="+mj-ea"/>
+              </a:rPr>
+              <a:t> </a:t>
+            </a:r>
+            <a:endParaRPr dirty="0">
+              <a:latin typeface="+mj-ea"/>
+              <a:ea typeface="+mj-ea"/>
+            </a:endParaRPr>
           </a:p>
         </p:txBody>
       </p:sp>
@@ -2249,16 +3705,520 @@
           </a:bodyPr>
           <a:lstStyle/>
           <a:p>
-            <a:pPr marL="0" lvl="0" indent="0" algn="l" rtl="0">
-              <a:spcBef>
-                <a:spcPts val="0"/>
-              </a:spcBef>
-              <a:spcAft>
-                <a:spcPts val="0"/>
-              </a:spcAft>
+            <a:pPr marL="158750" indent="0" algn="l">
               <a:buNone/>
             </a:pPr>
-            <a:endParaRPr/>
+            <a:r>
+              <a:rPr lang="ko-KR" altLang="en-US" b="0" i="0" dirty="0" err="1">
+                <a:solidFill>
+                  <a:srgbClr val="D1D5DB"/>
+                </a:solidFill>
+                <a:effectLst/>
+                <a:latin typeface="+mj-ea"/>
+                <a:ea typeface="+mj-ea"/>
+              </a:rPr>
+              <a:t>브로드캐스팅은</a:t>
+            </a:r>
+            <a:r>
+              <a:rPr lang="ko-KR" altLang="en-US" b="0" i="0" dirty="0">
+                <a:solidFill>
+                  <a:srgbClr val="D1D5DB"/>
+                </a:solidFill>
+                <a:effectLst/>
+                <a:latin typeface="+mj-ea"/>
+                <a:ea typeface="+mj-ea"/>
+              </a:rPr>
+              <a:t> </a:t>
+            </a:r>
+            <a:r>
+              <a:rPr lang="en-US" altLang="ko-KR" b="1" i="0" dirty="0">
+                <a:latin typeface="+mj-ea"/>
+                <a:ea typeface="+mj-ea"/>
+              </a:rPr>
+              <a:t>(</a:t>
+            </a:r>
+            <a:r>
+              <a:rPr lang="ko-KR" altLang="en-US" b="1" i="0" dirty="0">
+                <a:latin typeface="+mj-ea"/>
+                <a:ea typeface="+mj-ea"/>
+              </a:rPr>
+              <a:t>스페이스바</a:t>
+            </a:r>
+            <a:r>
+              <a:rPr lang="en-US" altLang="ko-KR" b="1" i="0" dirty="0">
+                <a:latin typeface="+mj-ea"/>
+                <a:ea typeface="+mj-ea"/>
+              </a:rPr>
+              <a:t>) </a:t>
+            </a:r>
+            <a:r>
+              <a:rPr lang="ko-KR" altLang="en-US" b="0" i="0" dirty="0">
+                <a:solidFill>
+                  <a:srgbClr val="D1D5DB"/>
+                </a:solidFill>
+                <a:effectLst/>
+                <a:latin typeface="+mj-ea"/>
+                <a:ea typeface="+mj-ea"/>
+              </a:rPr>
+              <a:t>다른 형상의 배열간 연산을 가능하게 하는 기능입니다</a:t>
+            </a:r>
+            <a:r>
+              <a:rPr lang="en-US" altLang="ko-KR" b="0" i="0" dirty="0">
+                <a:solidFill>
+                  <a:srgbClr val="D1D5DB"/>
+                </a:solidFill>
+                <a:effectLst/>
+                <a:latin typeface="+mj-ea"/>
+                <a:ea typeface="+mj-ea"/>
+              </a:rPr>
+              <a:t>. </a:t>
+            </a:r>
+            <a:r>
+              <a:rPr lang="ko-KR" altLang="en-US" b="0" i="0" dirty="0">
+                <a:solidFill>
+                  <a:srgbClr val="D1D5DB"/>
+                </a:solidFill>
+                <a:effectLst/>
+                <a:latin typeface="+mj-ea"/>
+                <a:ea typeface="+mj-ea"/>
+              </a:rPr>
+              <a:t>이를 위해서는 다음 두 가지 조건을 만족해야 합니다</a:t>
+            </a:r>
+            <a:r>
+              <a:rPr lang="en-US" altLang="ko-KR" b="0" i="0" dirty="0">
+                <a:solidFill>
+                  <a:srgbClr val="D1D5DB"/>
+                </a:solidFill>
+                <a:effectLst/>
+                <a:latin typeface="+mj-ea"/>
+                <a:ea typeface="+mj-ea"/>
+              </a:rPr>
+              <a:t>. </a:t>
+            </a:r>
+            <a:r>
+              <a:rPr lang="en-US" altLang="ko-KR" b="1" i="0" dirty="0">
+                <a:latin typeface="+mj-ea"/>
+                <a:ea typeface="+mj-ea"/>
+              </a:rPr>
+              <a:t>(</a:t>
+            </a:r>
+            <a:r>
+              <a:rPr lang="ko-KR" altLang="en-US" b="1" i="0" dirty="0">
+                <a:latin typeface="+mj-ea"/>
+                <a:ea typeface="+mj-ea"/>
+              </a:rPr>
+              <a:t>스페이스바</a:t>
+            </a:r>
+            <a:r>
+              <a:rPr lang="en-US" altLang="ko-KR" b="1" i="0" dirty="0">
+                <a:latin typeface="+mj-ea"/>
+                <a:ea typeface="+mj-ea"/>
+              </a:rPr>
+              <a:t>) </a:t>
+            </a:r>
+            <a:r>
+              <a:rPr lang="ko-KR" altLang="en-US" b="0" i="0" dirty="0">
+                <a:solidFill>
+                  <a:srgbClr val="D1D5DB"/>
+                </a:solidFill>
+                <a:effectLst/>
+                <a:latin typeface="+mj-ea"/>
+                <a:ea typeface="+mj-ea"/>
+              </a:rPr>
+              <a:t>첫째</a:t>
+            </a:r>
+            <a:r>
+              <a:rPr lang="en-US" altLang="ko-KR" b="0" i="0" dirty="0">
+                <a:solidFill>
+                  <a:srgbClr val="D1D5DB"/>
+                </a:solidFill>
+                <a:effectLst/>
+                <a:latin typeface="+mj-ea"/>
+                <a:ea typeface="+mj-ea"/>
+              </a:rPr>
+              <a:t>, </a:t>
+            </a:r>
+            <a:r>
+              <a:rPr lang="ko-KR" altLang="en-US" b="0" i="0" dirty="0">
+                <a:solidFill>
+                  <a:srgbClr val="D1D5DB"/>
+                </a:solidFill>
+                <a:effectLst/>
+                <a:latin typeface="+mj-ea"/>
+                <a:ea typeface="+mj-ea"/>
+              </a:rPr>
+              <a:t>두 배열 중 적어도 하나의 배열의 차원이 </a:t>
+            </a:r>
+            <a:r>
+              <a:rPr lang="en-US" altLang="ko-KR" b="0" i="0" dirty="0">
+                <a:solidFill>
+                  <a:srgbClr val="D1D5DB"/>
+                </a:solidFill>
+                <a:effectLst/>
+                <a:latin typeface="+mj-ea"/>
+                <a:ea typeface="+mj-ea"/>
+              </a:rPr>
+              <a:t>1</a:t>
+            </a:r>
+            <a:r>
+              <a:rPr lang="ko-KR" altLang="en-US" b="0" i="0" dirty="0">
+                <a:solidFill>
+                  <a:srgbClr val="D1D5DB"/>
+                </a:solidFill>
+                <a:effectLst/>
+                <a:latin typeface="+mj-ea"/>
+                <a:ea typeface="+mj-ea"/>
+              </a:rPr>
+              <a:t>이어야 합니다</a:t>
+            </a:r>
+            <a:r>
+              <a:rPr lang="en-US" altLang="ko-KR" b="0" i="0" dirty="0">
+                <a:solidFill>
+                  <a:srgbClr val="D1D5DB"/>
+                </a:solidFill>
+                <a:effectLst/>
+                <a:latin typeface="+mj-ea"/>
+                <a:ea typeface="+mj-ea"/>
+              </a:rPr>
+              <a:t>. </a:t>
+            </a:r>
+            <a:r>
+              <a:rPr lang="ko-KR" altLang="en-US" b="0" i="0" dirty="0">
+                <a:solidFill>
+                  <a:srgbClr val="D1D5DB"/>
+                </a:solidFill>
+                <a:effectLst/>
+                <a:latin typeface="+mj-ea"/>
+                <a:ea typeface="+mj-ea"/>
+              </a:rPr>
+              <a:t>둘째</a:t>
+            </a:r>
+            <a:r>
+              <a:rPr lang="en-US" altLang="ko-KR" b="0" i="0" dirty="0">
+                <a:solidFill>
+                  <a:srgbClr val="D1D5DB"/>
+                </a:solidFill>
+                <a:effectLst/>
+                <a:latin typeface="+mj-ea"/>
+                <a:ea typeface="+mj-ea"/>
+              </a:rPr>
+              <a:t>, </a:t>
+            </a:r>
+            <a:r>
+              <a:rPr lang="ko-KR" altLang="en-US" b="0" i="0" dirty="0">
+                <a:solidFill>
+                  <a:srgbClr val="D1D5DB"/>
+                </a:solidFill>
+                <a:effectLst/>
+                <a:latin typeface="+mj-ea"/>
+                <a:ea typeface="+mj-ea"/>
+              </a:rPr>
+              <a:t>두 배열 간의 각 차원에 대해 크기가 동일하거나</a:t>
+            </a:r>
+            <a:r>
+              <a:rPr lang="en-US" altLang="ko-KR" b="0" i="0" dirty="0">
+                <a:solidFill>
+                  <a:srgbClr val="D1D5DB"/>
+                </a:solidFill>
+                <a:effectLst/>
+                <a:latin typeface="+mj-ea"/>
+                <a:ea typeface="+mj-ea"/>
+              </a:rPr>
+              <a:t>, </a:t>
+            </a:r>
+            <a:r>
+              <a:rPr lang="ko-KR" altLang="en-US" b="0" i="0" dirty="0">
+                <a:solidFill>
+                  <a:srgbClr val="D1D5DB"/>
+                </a:solidFill>
+                <a:effectLst/>
+                <a:latin typeface="+mj-ea"/>
+                <a:ea typeface="+mj-ea"/>
+              </a:rPr>
+              <a:t>한쪽이 </a:t>
+            </a:r>
+            <a:r>
+              <a:rPr lang="en-US" altLang="ko-KR" b="0" i="0" dirty="0">
+                <a:solidFill>
+                  <a:srgbClr val="D1D5DB"/>
+                </a:solidFill>
+                <a:effectLst/>
+                <a:latin typeface="+mj-ea"/>
+                <a:ea typeface="+mj-ea"/>
+              </a:rPr>
+              <a:t>1</a:t>
+            </a:r>
+            <a:r>
+              <a:rPr lang="ko-KR" altLang="en-US" b="0" i="0" dirty="0">
+                <a:solidFill>
+                  <a:srgbClr val="D1D5DB"/>
+                </a:solidFill>
+                <a:effectLst/>
+                <a:latin typeface="+mj-ea"/>
+                <a:ea typeface="+mj-ea"/>
+              </a:rPr>
+              <a:t>이어야 합니다</a:t>
+            </a:r>
+            <a:r>
+              <a:rPr lang="en-US" altLang="ko-KR" b="0" i="0" dirty="0">
+                <a:solidFill>
+                  <a:srgbClr val="D1D5DB"/>
+                </a:solidFill>
+                <a:effectLst/>
+                <a:latin typeface="+mj-ea"/>
+                <a:ea typeface="+mj-ea"/>
+              </a:rPr>
+              <a:t>. </a:t>
+            </a:r>
+            <a:r>
+              <a:rPr lang="ko-KR" altLang="en-US" b="0" i="0" dirty="0">
+                <a:solidFill>
+                  <a:srgbClr val="D1D5DB"/>
+                </a:solidFill>
+                <a:effectLst/>
+                <a:latin typeface="+mj-ea"/>
+                <a:ea typeface="+mj-ea"/>
+              </a:rPr>
+              <a:t>예를 들어</a:t>
+            </a:r>
+            <a:r>
+              <a:rPr lang="en-US" altLang="ko-KR" b="0" i="0" dirty="0">
+                <a:solidFill>
+                  <a:srgbClr val="D1D5DB"/>
+                </a:solidFill>
+                <a:effectLst/>
+                <a:latin typeface="+mj-ea"/>
+                <a:ea typeface="+mj-ea"/>
+              </a:rPr>
+              <a:t>, </a:t>
+            </a:r>
+            <a:r>
+              <a:rPr lang="ko-KR" altLang="en-US" b="0" i="0" dirty="0">
+                <a:solidFill>
+                  <a:srgbClr val="D1D5DB"/>
+                </a:solidFill>
+                <a:effectLst/>
+                <a:latin typeface="+mj-ea"/>
+                <a:ea typeface="+mj-ea"/>
+              </a:rPr>
+              <a:t>첫 번째 그림에서는 </a:t>
+            </a:r>
+            <a:r>
+              <a:rPr lang="en-US" altLang="ko-KR" b="0" i="0" dirty="0">
+                <a:solidFill>
+                  <a:srgbClr val="D1D5DB"/>
+                </a:solidFill>
+                <a:effectLst/>
+                <a:latin typeface="+mj-ea"/>
+                <a:ea typeface="+mj-ea"/>
+              </a:rPr>
+              <a:t>2x2 </a:t>
+            </a:r>
+            <a:r>
+              <a:rPr lang="ko-KR" altLang="en-US" b="0" i="0" dirty="0">
+                <a:solidFill>
+                  <a:srgbClr val="D1D5DB"/>
+                </a:solidFill>
+                <a:effectLst/>
+                <a:latin typeface="+mj-ea"/>
+                <a:ea typeface="+mj-ea"/>
+              </a:rPr>
+              <a:t>행렬과 스칼라 값을 곱합니다</a:t>
+            </a:r>
+            <a:r>
+              <a:rPr lang="en-US" altLang="ko-KR" b="0" i="0" dirty="0">
+                <a:solidFill>
+                  <a:srgbClr val="D1D5DB"/>
+                </a:solidFill>
+                <a:effectLst/>
+                <a:latin typeface="+mj-ea"/>
+                <a:ea typeface="+mj-ea"/>
+              </a:rPr>
+              <a:t>. </a:t>
+            </a:r>
+            <a:r>
+              <a:rPr lang="ko-KR" altLang="en-US" b="0" i="0" dirty="0">
+                <a:solidFill>
+                  <a:srgbClr val="D1D5DB"/>
+                </a:solidFill>
+                <a:effectLst/>
+                <a:latin typeface="+mj-ea"/>
+                <a:ea typeface="+mj-ea"/>
+              </a:rPr>
+              <a:t>이때 스칼라 값은 </a:t>
+            </a:r>
+            <a:r>
+              <a:rPr lang="en-US" altLang="ko-KR" b="0" i="0" dirty="0">
+                <a:solidFill>
+                  <a:srgbClr val="D1D5DB"/>
+                </a:solidFill>
+                <a:effectLst/>
+                <a:latin typeface="+mj-ea"/>
+                <a:ea typeface="+mj-ea"/>
+              </a:rPr>
+              <a:t>2x2 </a:t>
+            </a:r>
+            <a:r>
+              <a:rPr lang="ko-KR" altLang="en-US" b="0" i="0" dirty="0">
+                <a:solidFill>
+                  <a:srgbClr val="D1D5DB"/>
+                </a:solidFill>
+                <a:effectLst/>
+                <a:latin typeface="+mj-ea"/>
+                <a:ea typeface="+mj-ea"/>
+              </a:rPr>
+              <a:t>행렬로 </a:t>
+            </a:r>
+            <a:r>
+              <a:rPr lang="ko-KR" altLang="en-US" b="0" i="0" dirty="0" err="1">
+                <a:solidFill>
+                  <a:srgbClr val="D1D5DB"/>
+                </a:solidFill>
+                <a:effectLst/>
+                <a:latin typeface="+mj-ea"/>
+                <a:ea typeface="+mj-ea"/>
+              </a:rPr>
+              <a:t>브로드캐스팅되어</a:t>
+            </a:r>
+            <a:r>
+              <a:rPr lang="ko-KR" altLang="en-US" b="0" i="0" dirty="0">
+                <a:solidFill>
+                  <a:srgbClr val="D1D5DB"/>
+                </a:solidFill>
+                <a:effectLst/>
+                <a:latin typeface="+mj-ea"/>
+                <a:ea typeface="+mj-ea"/>
+              </a:rPr>
+              <a:t> 곱셈 연산이 수행됩니다</a:t>
+            </a:r>
+            <a:r>
+              <a:rPr lang="en-US" altLang="ko-KR" b="0" i="0" dirty="0">
+                <a:solidFill>
+                  <a:srgbClr val="D1D5DB"/>
+                </a:solidFill>
+                <a:effectLst/>
+                <a:latin typeface="+mj-ea"/>
+                <a:ea typeface="+mj-ea"/>
+              </a:rPr>
+              <a:t>. </a:t>
+            </a:r>
+            <a:r>
+              <a:rPr lang="ko-KR" altLang="en-US" b="0" i="0" dirty="0">
+                <a:solidFill>
+                  <a:srgbClr val="D1D5DB"/>
+                </a:solidFill>
+                <a:effectLst/>
+                <a:latin typeface="+mj-ea"/>
+                <a:ea typeface="+mj-ea"/>
+              </a:rPr>
+              <a:t>두 번째 그림에서는 </a:t>
+            </a:r>
+            <a:r>
+              <a:rPr lang="en-US" altLang="ko-KR" b="0" i="0" dirty="0">
+                <a:solidFill>
+                  <a:srgbClr val="D1D5DB"/>
+                </a:solidFill>
+                <a:effectLst/>
+                <a:latin typeface="+mj-ea"/>
+                <a:ea typeface="+mj-ea"/>
+              </a:rPr>
+              <a:t>1</a:t>
+            </a:r>
+            <a:r>
+              <a:rPr lang="ko-KR" altLang="en-US" b="0" i="0" dirty="0">
+                <a:solidFill>
+                  <a:srgbClr val="D1D5DB"/>
+                </a:solidFill>
+                <a:effectLst/>
+                <a:latin typeface="+mj-ea"/>
+                <a:ea typeface="+mj-ea"/>
+              </a:rPr>
+              <a:t>차원 배열이 </a:t>
+            </a:r>
+            <a:r>
+              <a:rPr lang="en-US" altLang="ko-KR" b="0" i="0" dirty="0">
+                <a:solidFill>
+                  <a:srgbClr val="D1D5DB"/>
+                </a:solidFill>
+                <a:effectLst/>
+                <a:latin typeface="+mj-ea"/>
+                <a:ea typeface="+mj-ea"/>
+              </a:rPr>
+              <a:t>2</a:t>
+            </a:r>
+            <a:r>
+              <a:rPr lang="ko-KR" altLang="en-US" b="0" i="0" dirty="0">
+                <a:solidFill>
+                  <a:srgbClr val="D1D5DB"/>
+                </a:solidFill>
+                <a:effectLst/>
+                <a:latin typeface="+mj-ea"/>
+                <a:ea typeface="+mj-ea"/>
+              </a:rPr>
+              <a:t>차원 배열과 같은 모양으로 변형된 후 </a:t>
+            </a:r>
+            <a:r>
+              <a:rPr lang="ko-KR" altLang="en-US" b="0" i="0" dirty="0" err="1">
+                <a:solidFill>
+                  <a:srgbClr val="D1D5DB"/>
+                </a:solidFill>
+                <a:effectLst/>
+                <a:latin typeface="+mj-ea"/>
+                <a:ea typeface="+mj-ea"/>
+              </a:rPr>
+              <a:t>원소별</a:t>
+            </a:r>
+            <a:r>
+              <a:rPr lang="ko-KR" altLang="en-US" b="0" i="0" dirty="0">
+                <a:solidFill>
+                  <a:srgbClr val="D1D5DB"/>
+                </a:solidFill>
+                <a:effectLst/>
+                <a:latin typeface="+mj-ea"/>
+                <a:ea typeface="+mj-ea"/>
+              </a:rPr>
+              <a:t> 연산이 수행됩니다</a:t>
+            </a:r>
+            <a:r>
+              <a:rPr lang="en-US" altLang="ko-KR" b="0" i="0" dirty="0">
+                <a:solidFill>
+                  <a:srgbClr val="D1D5DB"/>
+                </a:solidFill>
+                <a:effectLst/>
+                <a:latin typeface="+mj-ea"/>
+                <a:ea typeface="+mj-ea"/>
+              </a:rPr>
+              <a:t>. </a:t>
+            </a:r>
+            <a:r>
+              <a:rPr lang="en-US" altLang="ko-KR" b="1" i="0" dirty="0">
+                <a:latin typeface="+mj-ea"/>
+                <a:ea typeface="+mj-ea"/>
+              </a:rPr>
+              <a:t>(</a:t>
+            </a:r>
+            <a:r>
+              <a:rPr lang="ko-KR" altLang="en-US" b="1" i="0" dirty="0">
+                <a:latin typeface="+mj-ea"/>
+                <a:ea typeface="+mj-ea"/>
+              </a:rPr>
+              <a:t>스페이스바</a:t>
+            </a:r>
+            <a:r>
+              <a:rPr lang="en-US" altLang="ko-KR" b="1" i="0" dirty="0">
+                <a:latin typeface="+mj-ea"/>
+                <a:ea typeface="+mj-ea"/>
+              </a:rPr>
+              <a:t>)</a:t>
+            </a:r>
+            <a:endParaRPr lang="en-US" altLang="ko-KR" b="0" i="0" dirty="0">
+              <a:solidFill>
+                <a:srgbClr val="D1D5DB"/>
+              </a:solidFill>
+              <a:effectLst/>
+              <a:latin typeface="+mj-ea"/>
+              <a:ea typeface="+mj-ea"/>
+            </a:endParaRPr>
           </a:p>
         </p:txBody>
       </p:sp>
@@ -2367,7 +4327,149 @@
               </a:spcAft>
               <a:buNone/>
             </a:pPr>
-            <a:endParaRPr dirty="0"/>
+            <a:r>
+              <a:rPr lang="ko-KR" altLang="en-US" dirty="0">
+                <a:latin typeface="+mj-ea"/>
+                <a:ea typeface="+mj-ea"/>
+              </a:rPr>
+              <a:t>이제 </a:t>
+            </a:r>
+            <a:r>
+              <a:rPr lang="en-US" altLang="ko-KR" dirty="0">
+                <a:latin typeface="+mj-ea"/>
+                <a:ea typeface="+mj-ea"/>
+              </a:rPr>
+              <a:t>2</a:t>
+            </a:r>
+            <a:r>
+              <a:rPr lang="ko-KR" altLang="en-US" dirty="0">
+                <a:latin typeface="+mj-ea"/>
+                <a:ea typeface="+mj-ea"/>
+              </a:rPr>
+              <a:t>장의 </a:t>
+            </a:r>
+            <a:r>
+              <a:rPr lang="ko-KR" altLang="en-US" dirty="0" err="1">
+                <a:latin typeface="+mj-ea"/>
+                <a:ea typeface="+mj-ea"/>
+              </a:rPr>
+              <a:t>퍼셉트론에</a:t>
+            </a:r>
+            <a:r>
+              <a:rPr lang="ko-KR" altLang="en-US" dirty="0">
+                <a:latin typeface="+mj-ea"/>
+                <a:ea typeface="+mj-ea"/>
+              </a:rPr>
+              <a:t> 대해 이야기해보겠습니다</a:t>
+            </a:r>
+            <a:r>
+              <a:rPr lang="en-US" altLang="ko-KR" dirty="0">
+                <a:latin typeface="+mj-ea"/>
+                <a:ea typeface="+mj-ea"/>
+              </a:rPr>
+              <a:t>. </a:t>
+            </a:r>
+            <a:r>
+              <a:rPr lang="en-US" altLang="ko-KR" b="1" i="0" dirty="0">
+                <a:latin typeface="+mj-ea"/>
+                <a:ea typeface="+mj-ea"/>
+              </a:rPr>
+              <a:t>(</a:t>
+            </a:r>
+            <a:r>
+              <a:rPr lang="ko-KR" altLang="en-US" b="1" i="0" dirty="0">
+                <a:latin typeface="+mj-ea"/>
+                <a:ea typeface="+mj-ea"/>
+              </a:rPr>
+              <a:t>스페이스바</a:t>
+            </a:r>
+            <a:r>
+              <a:rPr lang="en-US" altLang="ko-KR" b="1" i="0" dirty="0">
+                <a:latin typeface="+mj-ea"/>
+                <a:ea typeface="+mj-ea"/>
+              </a:rPr>
+              <a:t>) </a:t>
+            </a:r>
+            <a:r>
+              <a:rPr lang="ko-KR" altLang="en-US" b="0" i="0" dirty="0" err="1">
+                <a:solidFill>
+                  <a:srgbClr val="D1D5DB"/>
+                </a:solidFill>
+                <a:effectLst/>
+                <a:latin typeface="+mj-ea"/>
+                <a:ea typeface="+mj-ea"/>
+              </a:rPr>
+              <a:t>퍼셉트론은</a:t>
+            </a:r>
+            <a:r>
+              <a:rPr lang="ko-KR" altLang="en-US" b="0" i="0" dirty="0">
+                <a:solidFill>
+                  <a:srgbClr val="D1D5DB"/>
+                </a:solidFill>
+                <a:effectLst/>
+                <a:latin typeface="+mj-ea"/>
+                <a:ea typeface="+mj-ea"/>
+              </a:rPr>
+              <a:t> 생물학적 뉴런의 작동 원리를 모방하여 만들어진 인공 뉴런으로</a:t>
+            </a:r>
+            <a:r>
+              <a:rPr lang="en-US" altLang="ko-KR" b="0" i="0" dirty="0">
+                <a:solidFill>
+                  <a:srgbClr val="D1D5DB"/>
+                </a:solidFill>
+                <a:effectLst/>
+                <a:latin typeface="+mj-ea"/>
+                <a:ea typeface="+mj-ea"/>
+              </a:rPr>
+              <a:t>, </a:t>
+            </a:r>
+            <a:r>
+              <a:rPr lang="ko-KR" altLang="en-US" b="0" i="0" dirty="0">
+                <a:solidFill>
+                  <a:srgbClr val="D1D5DB"/>
+                </a:solidFill>
+                <a:effectLst/>
+                <a:latin typeface="+mj-ea"/>
+                <a:ea typeface="+mj-ea"/>
+              </a:rPr>
+              <a:t>다수의 입력 신호를 받아들여 하나의 출력 신호를 생성합니다</a:t>
+            </a:r>
+            <a:r>
+              <a:rPr lang="en-US" altLang="ko-KR" b="0" i="0" dirty="0">
+                <a:solidFill>
+                  <a:srgbClr val="D1D5DB"/>
+                </a:solidFill>
+                <a:effectLst/>
+                <a:latin typeface="+mj-ea"/>
+                <a:ea typeface="+mj-ea"/>
+              </a:rPr>
+              <a:t>. </a:t>
+            </a:r>
+            <a:r>
+              <a:rPr lang="en-US" altLang="ko-KR" b="1" i="0" dirty="0">
+                <a:latin typeface="+mj-ea"/>
+                <a:ea typeface="+mj-ea"/>
+              </a:rPr>
+              <a:t>(</a:t>
+            </a:r>
+            <a:r>
+              <a:rPr lang="ko-KR" altLang="en-US" b="1" i="0" dirty="0">
+                <a:latin typeface="+mj-ea"/>
+                <a:ea typeface="+mj-ea"/>
+              </a:rPr>
+              <a:t>스페이스바</a:t>
+            </a:r>
+            <a:r>
+              <a:rPr lang="en-US" altLang="ko-KR" b="1" i="0" dirty="0">
+                <a:latin typeface="+mj-ea"/>
+                <a:ea typeface="+mj-ea"/>
+              </a:rPr>
+              <a:t>) </a:t>
+            </a:r>
+            <a:endParaRPr dirty="0">
+              <a:latin typeface="+mj-ea"/>
+              <a:ea typeface="+mj-ea"/>
+            </a:endParaRPr>
           </a:p>
         </p:txBody>
       </p:sp>
@@ -2477,26 +4579,151 @@
               <a:buNone/>
             </a:pPr>
             <a:r>
-              <a:rPr lang="ko-KR" altLang="en-US" dirty="0"/>
-              <a:t>입력 신호가 뉴런에 보내질 때는 각각 고유한 가중치를 곱하는데 이 곱한 값의 총합이 정해진 한계인 </a:t>
-            </a:r>
-            <a:r>
-              <a:rPr lang="ko-KR" altLang="en-US" dirty="0" err="1"/>
-              <a:t>임계값을</a:t>
-            </a:r>
-            <a:r>
-              <a:rPr lang="ko-KR" altLang="en-US" dirty="0"/>
-              <a:t> 넘어설 때만 </a:t>
-            </a:r>
-            <a:r>
-              <a:rPr lang="en-US" altLang="ko-KR" dirty="0"/>
-              <a:t>1</a:t>
-            </a:r>
-            <a:r>
-              <a:rPr lang="ko-KR" altLang="en-US" dirty="0"/>
-              <a:t>을 출력</a:t>
-            </a:r>
-            <a:endParaRPr dirty="0"/>
+              <a:rPr lang="ko-KR" altLang="en-US" b="0" i="0" dirty="0" err="1">
+                <a:solidFill>
+                  <a:srgbClr val="D1D5DB"/>
+                </a:solidFill>
+                <a:effectLst/>
+                <a:latin typeface="+mj-ea"/>
+                <a:ea typeface="+mj-ea"/>
+              </a:rPr>
+              <a:t>퍼셉트론은</a:t>
+            </a:r>
+            <a:r>
+              <a:rPr lang="ko-KR" altLang="en-US" b="0" i="0" dirty="0">
+                <a:solidFill>
+                  <a:srgbClr val="D1D5DB"/>
+                </a:solidFill>
+                <a:effectLst/>
+                <a:latin typeface="+mj-ea"/>
+                <a:ea typeface="+mj-ea"/>
+              </a:rPr>
+              <a:t> 여러 개의 입력 신호에 대해 각각 가중치를 부여합니다</a:t>
+            </a:r>
+            <a:r>
+              <a:rPr lang="en-US" altLang="ko-KR" b="0" i="0" dirty="0">
+                <a:solidFill>
+                  <a:srgbClr val="D1D5DB"/>
+                </a:solidFill>
+                <a:effectLst/>
+                <a:latin typeface="+mj-ea"/>
+                <a:ea typeface="+mj-ea"/>
+              </a:rPr>
+              <a:t>. </a:t>
+            </a:r>
+            <a:r>
+              <a:rPr lang="en-US" altLang="ko-KR" b="1" i="0" dirty="0">
+                <a:latin typeface="+mj-ea"/>
+                <a:ea typeface="+mj-ea"/>
+              </a:rPr>
+              <a:t>(</a:t>
+            </a:r>
+            <a:r>
+              <a:rPr lang="ko-KR" altLang="en-US" b="1" i="0" dirty="0">
+                <a:latin typeface="+mj-ea"/>
+                <a:ea typeface="+mj-ea"/>
+              </a:rPr>
+              <a:t>스페이스바</a:t>
+            </a:r>
+            <a:r>
+              <a:rPr lang="en-US" altLang="ko-KR" b="1" i="0" dirty="0">
+                <a:latin typeface="+mj-ea"/>
+                <a:ea typeface="+mj-ea"/>
+              </a:rPr>
+              <a:t>) </a:t>
+            </a:r>
+            <a:r>
+              <a:rPr lang="ko-KR" altLang="en-US" b="0" i="0" dirty="0">
+                <a:solidFill>
+                  <a:srgbClr val="D1D5DB"/>
+                </a:solidFill>
+                <a:effectLst/>
+                <a:latin typeface="+mj-ea"/>
+                <a:ea typeface="+mj-ea"/>
+              </a:rPr>
+              <a:t>입력 신호와 가중치의 곱의 총합에 대해 미리 설정된 임계치를 넘으면 </a:t>
+            </a:r>
+            <a:r>
+              <a:rPr lang="en-US" altLang="ko-KR" b="0" i="0" dirty="0">
+                <a:solidFill>
+                  <a:srgbClr val="D1D5DB"/>
+                </a:solidFill>
+                <a:effectLst/>
+                <a:latin typeface="+mj-ea"/>
+                <a:ea typeface="+mj-ea"/>
+              </a:rPr>
+              <a:t>1, </a:t>
+            </a:r>
+            <a:r>
+              <a:rPr lang="ko-KR" altLang="en-US" b="0" i="0" dirty="0">
+                <a:solidFill>
+                  <a:srgbClr val="D1D5DB"/>
+                </a:solidFill>
+                <a:effectLst/>
+                <a:latin typeface="+mj-ea"/>
+                <a:ea typeface="+mj-ea"/>
+              </a:rPr>
+              <a:t>그렇지 않으면 </a:t>
+            </a:r>
+            <a:r>
+              <a:rPr lang="en-US" altLang="ko-KR" b="0" i="0" dirty="0">
+                <a:solidFill>
+                  <a:srgbClr val="D1D5DB"/>
+                </a:solidFill>
+                <a:effectLst/>
+                <a:latin typeface="+mj-ea"/>
+                <a:ea typeface="+mj-ea"/>
+              </a:rPr>
+              <a:t>0</a:t>
+            </a:r>
+            <a:r>
+              <a:rPr lang="ko-KR" altLang="en-US" b="0" i="0" dirty="0">
+                <a:solidFill>
+                  <a:srgbClr val="D1D5DB"/>
+                </a:solidFill>
+                <a:effectLst/>
+                <a:latin typeface="+mj-ea"/>
+                <a:ea typeface="+mj-ea"/>
+              </a:rPr>
+              <a:t>을 출력하는 구조로 동작합니다</a:t>
+            </a:r>
+            <a:r>
+              <a:rPr lang="en-US" altLang="ko-KR" b="0" i="0" dirty="0">
+                <a:solidFill>
+                  <a:srgbClr val="D1D5DB"/>
+                </a:solidFill>
+                <a:effectLst/>
+                <a:latin typeface="+mj-ea"/>
+                <a:ea typeface="+mj-ea"/>
+              </a:rPr>
+              <a:t>. </a:t>
+            </a:r>
+            <a:r>
+              <a:rPr lang="ko-KR" altLang="en-US" b="0" i="0" dirty="0">
+                <a:solidFill>
+                  <a:srgbClr val="D1D5DB"/>
+                </a:solidFill>
+                <a:effectLst/>
+                <a:latin typeface="+mj-ea"/>
+                <a:ea typeface="+mj-ea"/>
+              </a:rPr>
+              <a:t>이러한 구조는 다음의 수식으로도 나타낼 수 있습니다</a:t>
+            </a:r>
+            <a:r>
+              <a:rPr lang="en-US" altLang="ko-KR" b="0" i="0" dirty="0">
+                <a:solidFill>
+                  <a:srgbClr val="D1D5DB"/>
+                </a:solidFill>
+                <a:effectLst/>
+                <a:latin typeface="+mj-ea"/>
+                <a:ea typeface="+mj-ea"/>
+              </a:rPr>
+              <a:t>.</a:t>
+            </a:r>
+            <a:endParaRPr dirty="0">
+              <a:latin typeface="+mj-ea"/>
+              <a:ea typeface="+mj-ea"/>
+            </a:endParaRPr>
           </a:p>
         </p:txBody>
       </p:sp>
@@ -2605,7 +4832,555 @@
               </a:spcAft>
               <a:buNone/>
             </a:pPr>
-            <a:endParaRPr/>
+            <a:r>
+              <a:rPr lang="ko-KR" altLang="en-US" dirty="0">
+                <a:latin typeface="+mj-ea"/>
+                <a:ea typeface="+mj-ea"/>
+              </a:rPr>
+              <a:t>이러한 </a:t>
+            </a:r>
+            <a:r>
+              <a:rPr lang="ko-KR" altLang="en-US" b="0" i="0" dirty="0" err="1">
+                <a:solidFill>
+                  <a:srgbClr val="D1D5DB"/>
+                </a:solidFill>
+                <a:effectLst/>
+                <a:latin typeface="+mj-ea"/>
+                <a:ea typeface="+mj-ea"/>
+              </a:rPr>
+              <a:t>퍼셉트론은</a:t>
+            </a:r>
+            <a:r>
+              <a:rPr lang="ko-KR" altLang="en-US" b="0" i="0" dirty="0">
+                <a:solidFill>
+                  <a:srgbClr val="D1D5DB"/>
+                </a:solidFill>
+                <a:effectLst/>
+                <a:latin typeface="+mj-ea"/>
+                <a:ea typeface="+mj-ea"/>
+              </a:rPr>
+              <a:t> </a:t>
+            </a:r>
+            <a:r>
+              <a:rPr lang="en-US" altLang="ko-KR" b="0" i="0" dirty="0">
+                <a:solidFill>
+                  <a:srgbClr val="D1D5DB"/>
+                </a:solidFill>
+                <a:effectLst/>
+                <a:latin typeface="+mj-ea"/>
+                <a:ea typeface="+mj-ea"/>
+              </a:rPr>
+              <a:t>AND, NAND, OR </a:t>
+            </a:r>
+            <a:r>
+              <a:rPr lang="ko-KR" altLang="en-US" b="0" i="0" dirty="0">
+                <a:solidFill>
+                  <a:srgbClr val="D1D5DB"/>
+                </a:solidFill>
+                <a:effectLst/>
+                <a:latin typeface="+mj-ea"/>
+                <a:ea typeface="+mj-ea"/>
+              </a:rPr>
+              <a:t>게이트와 같은 논리회로를 구성할 수 있습니다</a:t>
+            </a:r>
+            <a:r>
+              <a:rPr lang="en-US" altLang="ko-KR" b="0" i="0" dirty="0">
+                <a:solidFill>
+                  <a:srgbClr val="D1D5DB"/>
+                </a:solidFill>
+                <a:effectLst/>
+                <a:latin typeface="+mj-ea"/>
+                <a:ea typeface="+mj-ea"/>
+              </a:rPr>
+              <a:t>. AND </a:t>
+            </a:r>
+            <a:r>
+              <a:rPr lang="ko-KR" altLang="en-US" b="0" i="0" dirty="0">
+                <a:solidFill>
+                  <a:srgbClr val="D1D5DB"/>
+                </a:solidFill>
+                <a:effectLst/>
+                <a:latin typeface="+mj-ea"/>
+                <a:ea typeface="+mj-ea"/>
+              </a:rPr>
+              <a:t>게이트는 두 입력이 모두 </a:t>
+            </a:r>
+            <a:r>
+              <a:rPr lang="en-US" altLang="ko-KR" b="0" i="0" dirty="0">
+                <a:solidFill>
+                  <a:srgbClr val="D1D5DB"/>
+                </a:solidFill>
+                <a:effectLst/>
+                <a:latin typeface="+mj-ea"/>
+                <a:ea typeface="+mj-ea"/>
+              </a:rPr>
+              <a:t>1</a:t>
+            </a:r>
+            <a:r>
+              <a:rPr lang="ko-KR" altLang="en-US" b="0" i="0" dirty="0">
+                <a:solidFill>
+                  <a:srgbClr val="D1D5DB"/>
+                </a:solidFill>
+                <a:effectLst/>
+                <a:latin typeface="+mj-ea"/>
+                <a:ea typeface="+mj-ea"/>
+              </a:rPr>
+              <a:t>일 때만 </a:t>
+            </a:r>
+            <a:r>
+              <a:rPr lang="en-US" altLang="ko-KR" b="0" i="0" dirty="0">
+                <a:solidFill>
+                  <a:srgbClr val="D1D5DB"/>
+                </a:solidFill>
+                <a:effectLst/>
+                <a:latin typeface="+mj-ea"/>
+                <a:ea typeface="+mj-ea"/>
+              </a:rPr>
+              <a:t>1</a:t>
+            </a:r>
+            <a:r>
+              <a:rPr lang="ko-KR" altLang="en-US" b="0" i="0" dirty="0">
+                <a:solidFill>
+                  <a:srgbClr val="D1D5DB"/>
+                </a:solidFill>
+                <a:effectLst/>
+                <a:latin typeface="+mj-ea"/>
+                <a:ea typeface="+mj-ea"/>
+              </a:rPr>
+              <a:t>을 출력하며</a:t>
+            </a:r>
+            <a:r>
+              <a:rPr lang="en-US" altLang="ko-KR" b="0" i="0" dirty="0">
+                <a:solidFill>
+                  <a:srgbClr val="D1D5DB"/>
+                </a:solidFill>
+                <a:effectLst/>
+                <a:latin typeface="+mj-ea"/>
+                <a:ea typeface="+mj-ea"/>
+              </a:rPr>
+              <a:t>, </a:t>
+            </a:r>
+            <a:r>
+              <a:rPr lang="ko-KR" altLang="en-US" b="0" i="0" dirty="0">
+                <a:solidFill>
+                  <a:srgbClr val="D1D5DB"/>
+                </a:solidFill>
+                <a:effectLst/>
+                <a:latin typeface="+mj-ea"/>
+                <a:ea typeface="+mj-ea"/>
+              </a:rPr>
+              <a:t>그 외의 경우에는 </a:t>
+            </a:r>
+            <a:r>
+              <a:rPr lang="en-US" altLang="ko-KR" b="0" i="0" dirty="0">
+                <a:solidFill>
+                  <a:srgbClr val="D1D5DB"/>
+                </a:solidFill>
+                <a:effectLst/>
+                <a:latin typeface="+mj-ea"/>
+                <a:ea typeface="+mj-ea"/>
+              </a:rPr>
+              <a:t>0</a:t>
+            </a:r>
+            <a:r>
+              <a:rPr lang="ko-KR" altLang="en-US" b="0" i="0" dirty="0">
+                <a:solidFill>
+                  <a:srgbClr val="D1D5DB"/>
+                </a:solidFill>
+                <a:effectLst/>
+                <a:latin typeface="+mj-ea"/>
+                <a:ea typeface="+mj-ea"/>
+              </a:rPr>
+              <a:t>을 출력합니다</a:t>
+            </a:r>
+            <a:r>
+              <a:rPr lang="en-US" altLang="ko-KR" b="0" i="0" dirty="0">
+                <a:solidFill>
+                  <a:srgbClr val="D1D5DB"/>
+                </a:solidFill>
+                <a:effectLst/>
+                <a:latin typeface="+mj-ea"/>
+                <a:ea typeface="+mj-ea"/>
+              </a:rPr>
+              <a:t>. NAND </a:t>
+            </a:r>
+            <a:r>
+              <a:rPr lang="ko-KR" altLang="en-US" b="0" i="0" dirty="0">
+                <a:solidFill>
+                  <a:srgbClr val="D1D5DB"/>
+                </a:solidFill>
+                <a:effectLst/>
+                <a:latin typeface="+mj-ea"/>
+                <a:ea typeface="+mj-ea"/>
+              </a:rPr>
+              <a:t>게이트는 </a:t>
+            </a:r>
+            <a:r>
+              <a:rPr lang="en-US" altLang="ko-KR" b="0" i="0" dirty="0">
+                <a:solidFill>
+                  <a:srgbClr val="D1D5DB"/>
+                </a:solidFill>
+                <a:effectLst/>
+                <a:latin typeface="+mj-ea"/>
+                <a:ea typeface="+mj-ea"/>
+              </a:rPr>
+              <a:t>NOT AND</a:t>
+            </a:r>
+            <a:r>
+              <a:rPr lang="ko-KR" altLang="en-US" b="0" i="0" dirty="0">
+                <a:solidFill>
+                  <a:srgbClr val="D1D5DB"/>
+                </a:solidFill>
+                <a:effectLst/>
+                <a:latin typeface="+mj-ea"/>
+                <a:ea typeface="+mj-ea"/>
+              </a:rPr>
+              <a:t>를 의미하며</a:t>
+            </a:r>
+            <a:r>
+              <a:rPr lang="en-US" altLang="ko-KR" b="0" i="0" dirty="0">
+                <a:solidFill>
+                  <a:srgbClr val="D1D5DB"/>
+                </a:solidFill>
+                <a:effectLst/>
+                <a:latin typeface="+mj-ea"/>
+                <a:ea typeface="+mj-ea"/>
+              </a:rPr>
+              <a:t>, AND </a:t>
+            </a:r>
+            <a:r>
+              <a:rPr lang="ko-KR" altLang="en-US" b="0" i="0" dirty="0">
+                <a:solidFill>
+                  <a:srgbClr val="D1D5DB"/>
+                </a:solidFill>
+                <a:effectLst/>
+                <a:latin typeface="+mj-ea"/>
+                <a:ea typeface="+mj-ea"/>
+              </a:rPr>
+              <a:t>게이트의 출력을 뒤집어서 작동합니다</a:t>
+            </a:r>
+            <a:r>
+              <a:rPr lang="en-US" altLang="ko-KR" b="0" i="0" dirty="0">
+                <a:solidFill>
+                  <a:srgbClr val="D1D5DB"/>
+                </a:solidFill>
+                <a:effectLst/>
+                <a:latin typeface="+mj-ea"/>
+                <a:ea typeface="+mj-ea"/>
+              </a:rPr>
+              <a:t>. </a:t>
+            </a:r>
+            <a:r>
+              <a:rPr lang="ko-KR" altLang="en-US" b="0" i="0" dirty="0">
+                <a:solidFill>
+                  <a:srgbClr val="D1D5DB"/>
+                </a:solidFill>
+                <a:effectLst/>
+                <a:latin typeface="+mj-ea"/>
+                <a:ea typeface="+mj-ea"/>
+              </a:rPr>
+              <a:t>즉</a:t>
+            </a:r>
+            <a:r>
+              <a:rPr lang="en-US" altLang="ko-KR" b="0" i="0" dirty="0">
+                <a:solidFill>
+                  <a:srgbClr val="D1D5DB"/>
+                </a:solidFill>
+                <a:effectLst/>
+                <a:latin typeface="+mj-ea"/>
+                <a:ea typeface="+mj-ea"/>
+              </a:rPr>
+              <a:t>, </a:t>
+            </a:r>
+            <a:r>
+              <a:rPr lang="ko-KR" altLang="en-US" b="0" i="0" dirty="0">
+                <a:solidFill>
+                  <a:srgbClr val="D1D5DB"/>
+                </a:solidFill>
+                <a:effectLst/>
+                <a:latin typeface="+mj-ea"/>
+                <a:ea typeface="+mj-ea"/>
+              </a:rPr>
+              <a:t>두 입력이 모두 </a:t>
+            </a:r>
+            <a:r>
+              <a:rPr lang="en-US" altLang="ko-KR" b="0" i="0" dirty="0">
+                <a:solidFill>
+                  <a:srgbClr val="D1D5DB"/>
+                </a:solidFill>
+                <a:effectLst/>
+                <a:latin typeface="+mj-ea"/>
+                <a:ea typeface="+mj-ea"/>
+              </a:rPr>
+              <a:t>1</a:t>
+            </a:r>
+            <a:r>
+              <a:rPr lang="ko-KR" altLang="en-US" b="0" i="0" dirty="0">
+                <a:solidFill>
+                  <a:srgbClr val="D1D5DB"/>
+                </a:solidFill>
+                <a:effectLst/>
+                <a:latin typeface="+mj-ea"/>
+                <a:ea typeface="+mj-ea"/>
+              </a:rPr>
+              <a:t>일 때는 </a:t>
+            </a:r>
+            <a:r>
+              <a:rPr lang="en-US" altLang="ko-KR" b="0" i="0" dirty="0">
+                <a:solidFill>
+                  <a:srgbClr val="D1D5DB"/>
+                </a:solidFill>
+                <a:effectLst/>
+                <a:latin typeface="+mj-ea"/>
+                <a:ea typeface="+mj-ea"/>
+              </a:rPr>
+              <a:t>0</a:t>
+            </a:r>
+            <a:r>
+              <a:rPr lang="ko-KR" altLang="en-US" b="0" i="0" dirty="0">
+                <a:solidFill>
+                  <a:srgbClr val="D1D5DB"/>
+                </a:solidFill>
+                <a:effectLst/>
+                <a:latin typeface="+mj-ea"/>
+                <a:ea typeface="+mj-ea"/>
+              </a:rPr>
+              <a:t>을 출력하고</a:t>
+            </a:r>
+            <a:r>
+              <a:rPr lang="en-US" altLang="ko-KR" b="0" i="0" dirty="0">
+                <a:solidFill>
+                  <a:srgbClr val="D1D5DB"/>
+                </a:solidFill>
+                <a:effectLst/>
+                <a:latin typeface="+mj-ea"/>
+                <a:ea typeface="+mj-ea"/>
+              </a:rPr>
+              <a:t>, </a:t>
+            </a:r>
+            <a:r>
+              <a:rPr lang="ko-KR" altLang="en-US" b="0" i="0" dirty="0">
+                <a:solidFill>
+                  <a:srgbClr val="D1D5DB"/>
+                </a:solidFill>
+                <a:effectLst/>
+                <a:latin typeface="+mj-ea"/>
+                <a:ea typeface="+mj-ea"/>
+              </a:rPr>
+              <a:t>그 외의 경우에는 </a:t>
+            </a:r>
+            <a:r>
+              <a:rPr lang="en-US" altLang="ko-KR" b="0" i="0" dirty="0">
+                <a:solidFill>
+                  <a:srgbClr val="D1D5DB"/>
+                </a:solidFill>
+                <a:effectLst/>
+                <a:latin typeface="+mj-ea"/>
+                <a:ea typeface="+mj-ea"/>
+              </a:rPr>
+              <a:t>1</a:t>
+            </a:r>
+            <a:r>
+              <a:rPr lang="ko-KR" altLang="en-US" b="0" i="0" dirty="0">
+                <a:solidFill>
+                  <a:srgbClr val="D1D5DB"/>
+                </a:solidFill>
+                <a:effectLst/>
+                <a:latin typeface="+mj-ea"/>
+                <a:ea typeface="+mj-ea"/>
+              </a:rPr>
+              <a:t>을 출력합니다</a:t>
+            </a:r>
+            <a:r>
+              <a:rPr lang="en-US" altLang="ko-KR" b="0" i="0" dirty="0">
+                <a:solidFill>
+                  <a:srgbClr val="D1D5DB"/>
+                </a:solidFill>
+                <a:effectLst/>
+                <a:latin typeface="+mj-ea"/>
+                <a:ea typeface="+mj-ea"/>
+              </a:rPr>
+              <a:t>. </a:t>
+            </a:r>
+            <a:r>
+              <a:rPr lang="ko-KR" altLang="en-US" b="0" i="0" dirty="0">
+                <a:solidFill>
+                  <a:srgbClr val="D1D5DB"/>
+                </a:solidFill>
+                <a:effectLst/>
+                <a:latin typeface="+mj-ea"/>
+                <a:ea typeface="+mj-ea"/>
+              </a:rPr>
+              <a:t>마지막으로 </a:t>
+            </a:r>
+            <a:r>
+              <a:rPr lang="en-US" altLang="ko-KR" b="0" i="0" dirty="0">
+                <a:solidFill>
+                  <a:srgbClr val="D1D5DB"/>
+                </a:solidFill>
+                <a:effectLst/>
+                <a:latin typeface="+mj-ea"/>
+                <a:ea typeface="+mj-ea"/>
+              </a:rPr>
+              <a:t>OR </a:t>
+            </a:r>
+            <a:r>
+              <a:rPr lang="ko-KR" altLang="en-US" b="0" i="0" dirty="0">
+                <a:solidFill>
+                  <a:srgbClr val="D1D5DB"/>
+                </a:solidFill>
+                <a:effectLst/>
+                <a:latin typeface="+mj-ea"/>
+                <a:ea typeface="+mj-ea"/>
+              </a:rPr>
+              <a:t>게이트는 입력 신호 중 하나 이상이 </a:t>
+            </a:r>
+            <a:r>
+              <a:rPr lang="en-US" altLang="ko-KR" b="0" i="0" dirty="0">
+                <a:solidFill>
+                  <a:srgbClr val="D1D5DB"/>
+                </a:solidFill>
+                <a:effectLst/>
+                <a:latin typeface="+mj-ea"/>
+                <a:ea typeface="+mj-ea"/>
+              </a:rPr>
+              <a:t>1</a:t>
+            </a:r>
+            <a:r>
+              <a:rPr lang="ko-KR" altLang="en-US" b="0" i="0" dirty="0">
+                <a:solidFill>
+                  <a:srgbClr val="D1D5DB"/>
+                </a:solidFill>
+                <a:effectLst/>
+                <a:latin typeface="+mj-ea"/>
+                <a:ea typeface="+mj-ea"/>
+              </a:rPr>
+              <a:t>일 경우에 </a:t>
+            </a:r>
+            <a:r>
+              <a:rPr lang="en-US" altLang="ko-KR" b="0" i="0" dirty="0">
+                <a:solidFill>
+                  <a:srgbClr val="D1D5DB"/>
+                </a:solidFill>
+                <a:effectLst/>
+                <a:latin typeface="+mj-ea"/>
+                <a:ea typeface="+mj-ea"/>
+              </a:rPr>
+              <a:t>1</a:t>
+            </a:r>
+            <a:r>
+              <a:rPr lang="ko-KR" altLang="en-US" b="0" i="0" dirty="0">
+                <a:solidFill>
+                  <a:srgbClr val="D1D5DB"/>
+                </a:solidFill>
+                <a:effectLst/>
+                <a:latin typeface="+mj-ea"/>
+                <a:ea typeface="+mj-ea"/>
+              </a:rPr>
+              <a:t>을 출력하는 </a:t>
+            </a:r>
+            <a:r>
+              <a:rPr lang="ko-KR" altLang="en-US" b="0" i="0" dirty="0" err="1">
+                <a:solidFill>
+                  <a:srgbClr val="D1D5DB"/>
+                </a:solidFill>
+                <a:effectLst/>
+                <a:latin typeface="+mj-ea"/>
+                <a:ea typeface="+mj-ea"/>
+              </a:rPr>
+              <a:t>논리회로입니다</a:t>
+            </a:r>
+            <a:r>
+              <a:rPr lang="en-US" altLang="ko-KR" b="0" i="0" dirty="0">
+                <a:solidFill>
+                  <a:srgbClr val="D1D5DB"/>
+                </a:solidFill>
+                <a:effectLst/>
+                <a:latin typeface="+mj-ea"/>
+                <a:ea typeface="+mj-ea"/>
+              </a:rPr>
+              <a:t>. </a:t>
+            </a:r>
+            <a:r>
+              <a:rPr lang="ko-KR" altLang="en-US" b="0" i="0" dirty="0">
+                <a:solidFill>
+                  <a:srgbClr val="D1D5DB"/>
+                </a:solidFill>
+                <a:effectLst/>
+                <a:latin typeface="+mj-ea"/>
+                <a:ea typeface="+mj-ea"/>
+              </a:rPr>
+              <a:t>이러한 게이트들을 통해</a:t>
+            </a:r>
+            <a:r>
+              <a:rPr lang="en-US" altLang="ko-KR" b="0" i="0" dirty="0">
+                <a:solidFill>
+                  <a:srgbClr val="D1D5DB"/>
+                </a:solidFill>
+                <a:effectLst/>
+                <a:latin typeface="+mj-ea"/>
+                <a:ea typeface="+mj-ea"/>
+              </a:rPr>
+              <a:t>, </a:t>
+            </a:r>
+            <a:r>
+              <a:rPr lang="ko-KR" altLang="en-US" b="0" i="0" dirty="0" err="1">
+                <a:solidFill>
+                  <a:srgbClr val="D1D5DB"/>
+                </a:solidFill>
+                <a:effectLst/>
+                <a:latin typeface="+mj-ea"/>
+                <a:ea typeface="+mj-ea"/>
+              </a:rPr>
+              <a:t>퍼셉트론은</a:t>
+            </a:r>
+            <a:r>
+              <a:rPr lang="ko-KR" altLang="en-US" b="0" i="0" dirty="0">
+                <a:solidFill>
+                  <a:srgbClr val="D1D5DB"/>
+                </a:solidFill>
+                <a:effectLst/>
+                <a:latin typeface="+mj-ea"/>
+                <a:ea typeface="+mj-ea"/>
+              </a:rPr>
+              <a:t> 다양한 논리적인 계산을 수행할 수 있습니다</a:t>
+            </a:r>
+            <a:r>
+              <a:rPr lang="en-US" altLang="ko-KR" b="0" i="0" dirty="0">
+                <a:solidFill>
+                  <a:srgbClr val="D1D5DB"/>
+                </a:solidFill>
+                <a:effectLst/>
+                <a:latin typeface="+mj-ea"/>
+                <a:ea typeface="+mj-ea"/>
+              </a:rPr>
+              <a:t>. </a:t>
+            </a:r>
+            <a:r>
+              <a:rPr lang="en-US" altLang="ko-KR" b="1" i="0" dirty="0">
+                <a:latin typeface="+mj-ea"/>
+                <a:ea typeface="+mj-ea"/>
+              </a:rPr>
+              <a:t>(</a:t>
+            </a:r>
+            <a:r>
+              <a:rPr lang="ko-KR" altLang="en-US" b="1" i="0" dirty="0">
+                <a:latin typeface="+mj-ea"/>
+                <a:ea typeface="+mj-ea"/>
+              </a:rPr>
+              <a:t>스페이스바</a:t>
+            </a:r>
+            <a:r>
+              <a:rPr lang="en-US" altLang="ko-KR" b="1" i="0" dirty="0">
+                <a:latin typeface="+mj-ea"/>
+                <a:ea typeface="+mj-ea"/>
+              </a:rPr>
+              <a:t>) </a:t>
+            </a:r>
+            <a:endParaRPr dirty="0">
+              <a:latin typeface="+mj-ea"/>
+              <a:ea typeface="+mj-ea"/>
+            </a:endParaRPr>
           </a:p>
         </p:txBody>
       </p:sp>
@@ -2716,6 +5491,109 @@
             </a:pPr>
             <a:r>
               <a:rPr lang="ko-KR" altLang="en-US" dirty="0"/>
+              <a:t>가중치는 앞서 말씀 드렸듯이 </a:t>
+            </a:r>
+            <a:r>
+              <a:rPr lang="ko-KR" altLang="en-US" dirty="0" err="1"/>
+              <a:t>입력층</a:t>
+            </a:r>
+            <a:r>
+              <a:rPr lang="ko-KR" altLang="en-US" dirty="0"/>
+              <a:t> 데이터를 다음 노드로 넘길 때 중요도를 적용한다고 생각하시면 됩니다</a:t>
+            </a:r>
+            <a:r>
+              <a:rPr lang="en-US" altLang="ko-KR" dirty="0"/>
+              <a:t>. </a:t>
+            </a:r>
+            <a:r>
+              <a:rPr lang="en-US" altLang="ko-KR" b="1" i="0" dirty="0">
+                <a:latin typeface="+mj-ea"/>
+                <a:ea typeface="+mj-ea"/>
+              </a:rPr>
+              <a:t>(</a:t>
+            </a:r>
+            <a:r>
+              <a:rPr lang="ko-KR" altLang="en-US" b="1" i="0" dirty="0">
+                <a:latin typeface="+mj-ea"/>
+                <a:ea typeface="+mj-ea"/>
+              </a:rPr>
+              <a:t>스페이스바</a:t>
+            </a:r>
+            <a:r>
+              <a:rPr lang="en-US" altLang="ko-KR" b="1" i="0" dirty="0">
+                <a:latin typeface="+mj-ea"/>
+                <a:ea typeface="+mj-ea"/>
+              </a:rPr>
+              <a:t>) </a:t>
+            </a:r>
+            <a:r>
+              <a:rPr lang="ko-KR" altLang="en-US" dirty="0"/>
+              <a:t>가중치가 필요한 이유는 가중치가 없을 경우를 생각해보시면 쉽게 이해할 수 있습니다</a:t>
+            </a:r>
+            <a:r>
+              <a:rPr lang="en-US" altLang="ko-KR" dirty="0"/>
+              <a:t>. </a:t>
+            </a:r>
+            <a:r>
+              <a:rPr lang="en-US" altLang="ko-KR" b="1" i="0" dirty="0">
+                <a:latin typeface="+mj-ea"/>
+                <a:ea typeface="+mj-ea"/>
+              </a:rPr>
+              <a:t>(</a:t>
+            </a:r>
+            <a:r>
+              <a:rPr lang="ko-KR" altLang="en-US" b="1" i="0" dirty="0">
+                <a:latin typeface="+mj-ea"/>
+                <a:ea typeface="+mj-ea"/>
+              </a:rPr>
+              <a:t>스페이스바</a:t>
+            </a:r>
+            <a:r>
+              <a:rPr lang="en-US" altLang="ko-KR" b="1" i="0" dirty="0">
+                <a:latin typeface="+mj-ea"/>
+                <a:ea typeface="+mj-ea"/>
+              </a:rPr>
+              <a:t>) </a:t>
+            </a:r>
+            <a:r>
+              <a:rPr lang="ko-KR" altLang="en-US" dirty="0"/>
+              <a:t>신경망을 구성하였지만 만약 가중치가 없다면 다음 층에서 각 </a:t>
+            </a:r>
+            <a:r>
+              <a:rPr lang="ko-KR" altLang="en-US" dirty="0" err="1"/>
+              <a:t>노드별</a:t>
+            </a:r>
+            <a:r>
+              <a:rPr lang="ko-KR" altLang="en-US" dirty="0"/>
+              <a:t> 계속 같은 값이 나올 겁니다</a:t>
+            </a:r>
+            <a:r>
+              <a:rPr lang="en-US" altLang="ko-KR" dirty="0"/>
+              <a:t>. </a:t>
+            </a:r>
+            <a:r>
+              <a:rPr lang="en-US" altLang="ko-KR" b="1" i="0" dirty="0">
+                <a:latin typeface="+mj-ea"/>
+                <a:ea typeface="+mj-ea"/>
+              </a:rPr>
+              <a:t>(</a:t>
+            </a:r>
+            <a:r>
+              <a:rPr lang="ko-KR" altLang="en-US" b="1" i="0" dirty="0">
+                <a:latin typeface="+mj-ea"/>
+                <a:ea typeface="+mj-ea"/>
+              </a:rPr>
+              <a:t>스페이스바</a:t>
+            </a:r>
+            <a:r>
+              <a:rPr lang="en-US" altLang="ko-KR" b="1" i="0" dirty="0">
+                <a:latin typeface="+mj-ea"/>
+                <a:ea typeface="+mj-ea"/>
+              </a:rPr>
+              <a:t>) </a:t>
+            </a:r>
+            <a:r>
+              <a:rPr lang="ko-KR" altLang="en-US" dirty="0"/>
               <a:t>금주 로또 </a:t>
             </a:r>
             <a:r>
@@ -2724,7 +5602,7 @@
             </a:r>
             <a:r>
               <a:rPr lang="ko-KR" altLang="en-US" dirty="0"/>
-              <a:t>등 상금을 예측해본다고 가정합니다</a:t>
+              <a:t>등 상금을 예측해본다고 가정해 보겠습니다</a:t>
             </a:r>
             <a:r>
               <a:rPr lang="en-US" altLang="ko-KR" dirty="0"/>
@@ -2784,23 +5662,15 @@
             </a:r>
             <a:r>
               <a:rPr lang="ko-KR" altLang="en-US" dirty="0"/>
-              <a:t>상금이 얼마일지 알 수 있겠지만 본 예시에서는 그냥 가장 최근 정보</a:t>
+              <a:t>상금이 얼마일지 알 수 있겠지만 본 예시에서는 그냥 가장 최근 정보인 </a:t>
             </a:r>
             <a:r>
               <a:rPr lang="en-US" altLang="ko-KR" dirty="0"/>
-              <a:t>(1</a:t>
+              <a:t>1</a:t>
             </a:r>
             <a:r>
               <a:rPr lang="ko-KR" altLang="en-US" dirty="0"/>
-              <a:t>등 상금</a:t>
-            </a:r>
-            <a:r>
-              <a:rPr lang="en-US" altLang="ko-KR" dirty="0"/>
-              <a:t>)</a:t>
-            </a:r>
-            <a:r>
-              <a:rPr lang="ko-KR" altLang="en-US" dirty="0"/>
-              <a:t>에 대한 중요도가 높다고 가정하겠습니다</a:t>
+              <a:t>등 상금에 대한 중요도가 높다고 가정하겠습니다</a:t>
             </a:r>
             <a:r>
               <a:rPr lang="en-US" altLang="ko-KR" dirty="0"/>
@@ -2824,29 +5694,34 @@
             </a:r>
             <a:r>
               <a:rPr lang="ko-KR" altLang="en-US" dirty="0"/>
-              <a:t>등 상금 정보가 있고 최근 정보에 대한 중요도가 높다고 할 때</a:t>
-            </a:r>
-            <a:r>
-              <a:rPr lang="en-US" altLang="ko-KR" dirty="0"/>
-              <a:t>(</a:t>
-            </a:r>
-            <a:r>
-              <a:rPr lang="ko-KR" altLang="en-US" dirty="0"/>
-              <a:t>예시 이미지에서는 진할수록</a:t>
-            </a:r>
-            <a:r>
-              <a:rPr lang="en-US" altLang="ko-KR" dirty="0"/>
-              <a:t>) </a:t>
-            </a:r>
-            <a:r>
-              <a:rPr lang="ko-KR" altLang="en-US" dirty="0"/>
-              <a:t>이것이 가중치라고 이해하시면 됩니다</a:t>
+              <a:t>등 상금 정보가 있고 최근 정보에 대한 중요도가 높다고 할 때 이를 가중치라고 이해하시면 됩니다</a:t>
             </a:r>
             <a:r>
               <a:rPr lang="en-US" altLang="ko-KR" dirty="0"/>
               <a:t>.</a:t>
             </a:r>
-            <a:endParaRPr dirty="0"/>
+            <a:r>
+              <a:rPr lang="en-US" altLang="ko-KR" b="1" i="0" dirty="0">
+                <a:latin typeface="+mj-ea"/>
+                <a:ea typeface="+mj-ea"/>
+              </a:rPr>
+              <a:t> (</a:t>
+            </a:r>
+            <a:r>
+              <a:rPr lang="ko-KR" altLang="en-US" b="1" i="0" dirty="0">
+                <a:latin typeface="+mj-ea"/>
+                <a:ea typeface="+mj-ea"/>
+              </a:rPr>
+              <a:t>스페이스바</a:t>
+            </a:r>
+            <a:r>
+              <a:rPr lang="en-US" altLang="ko-KR" b="1" i="0" dirty="0">
+                <a:latin typeface="+mj-ea"/>
+                <a:ea typeface="+mj-ea"/>
+              </a:rPr>
+              <a:t>) </a:t>
+            </a:r>
+            <a:endParaRPr lang="ko-KR" altLang="en-US" dirty="0"/>
           </a:p>
         </p:txBody>
       </p:sp>
@@ -9244,6 +12119,41 @@
                                   </p:childTnLst>
                                 </p:cTn>
                               </p:par>
+                              <p:par>
+                                <p:cTn id="33" presetID="10" presetClass="entr" presetSubtype="0" fill="hold" grpId="0" nodeType="withEffect">
+                                  <p:stCondLst>
+                                    <p:cond delay="0"/>
+                                  </p:stCondLst>
+                                  <p:childTnLst>
+                                    <p:set>
+                                      <p:cBhvr>
+                                        <p:cTn id="34" dur="1" fill="hold">
+                                          <p:stCondLst>
+                                            <p:cond delay="0"/>
+                                          </p:stCondLst>
+                                        </p:cTn>
+                                        <p:tgtEl>
+                                          <p:spTgt spid="21"/>
+                                        </p:tgtEl>
+                                        <p:attrNameLst>
+                                          <p:attrName>style.visibility</p:attrName>
+                                        </p:attrNameLst>
+                                      </p:cBhvr>
+                                      <p:to>
+                                        <p:strVal val="visible"/>
+                                      </p:to>
+                                    </p:set>
+                                    <p:animEffect transition="in" filter="fade">
+                                      <p:cBhvr>
+                                        <p:cTn id="35" dur="500"/>
+                                        <p:tgtEl>
+                                          <p:spTgt spid="21"/>
+                                        </p:tgtEl>
+                                      </p:cBhvr>
+                                    </p:animEffect>
+                                  </p:childTnLst>
+                                </p:cTn>
+                              </p:par>
                             </p:childTnLst>
                           </p:cTn>
                         </p:par>
@@ -9251,26 +12161,26 @@
                     </p:cTn>
                   </p:par>
                   <p:par>
-                    <p:cTn id="33" fill="hold">
+                    <p:cTn id="36" fill="hold">
                       <p:stCondLst>
                         <p:cond delay="indefinite"/>
                       </p:stCondLst>
                       <p:childTnLst>
                         <p:par>
-                          <p:cTn id="34" fill="hold">
+                          <p:cTn id="37" fill="hold">
                             <p:stCondLst>
                               <p:cond delay="0"/>
                             </p:stCondLst>
                             <p:childTnLst>
                               <p:par>
-                                <p:cTn id="35" presetID="10" presetClass="entr" presetSubtype="0" fill="hold" grpId="0" nodeType="clickEffect">
+                                <p:cTn id="38" presetID="10" presetClass="entr" presetSubtype="0" fill="hold" grpId="0" nodeType="clickEffect">
                                   <p:stCondLst>
                                     <p:cond delay="0"/>
                                   </p:stCondLst>
                                   <p:childTnLst>
                                     <p:set>
                                       <p:cBhvr>
-                                        <p:cTn id="36" dur="1" fill="hold">
+                                        <p:cTn id="39" dur="1" fill="hold">
                                           <p:stCondLst>
                                             <p:cond delay="0"/>
                                           </p:stCondLst>
@@ -9288,7 +12198,7 @@
                                     </p:set>
                                     <p:animEffect transition="in" filter="fade">
                                       <p:cBhvr>
-                                        <p:cTn id="37" dur="500"/>
+                                        <p:cTn id="40" dur="500"/>
                                         <p:tgtEl>
                                           <p:spTgt spid="76"/>
                                         </p:tgtEl>
@@ -9298,14 +12208,14 @@
                                 </p:cTn>
                               </p:par>
                               <p:par>
-                                <p:cTn id="38" presetID="10" presetClass="entr" presetSubtype="0" fill="hold" grpId="0" nodeType="withEffect">
+                                <p:cTn id="41" presetID="10" presetClass="entr" presetSubtype="0" fill="hold" grpId="0" nodeType="withEffect">
                                   <p:stCondLst>
                                     <p:cond delay="0"/>
                                   </p:stCondLst>
                                   <p:childTnLst>
                                     <p:set>
                                       <p:cBhvr>
-                                        <p:cTn id="39" dur="1" fill="hold">
+                                        <p:cTn id="42" dur="1" fill="hold">
                                           <p:stCondLst>
                                             <p:cond delay="0"/>
                                           </p:stCondLst>
@@ -9323,7 +12233,7 @@
                                     </p:set>
                                     <p:animEffect transition="in" filter="fade">
                                       <p:cBhvr>
-                                        <p:cTn id="40" dur="500"/>
+                                        <p:cTn id="43" dur="500"/>
                                         <p:tgtEl>
                                           <p:spTgt spid="35"/>
                                         </p:tgtEl>
@@ -9336,20 +12246,20 @@
                           </p:cTn>
                         </p:par>
                         <p:par>
-                          <p:cTn id="41" fill="hold">
+                          <p:cTn id="44" fill="hold">
                             <p:stCondLst>
                               <p:cond delay="500"/>
                             </p:stCondLst>
                             <p:childTnLst>
                               <p:par>
-                                <p:cTn id="42" presetID="10" presetClass="entr" presetSubtype="0" fill="hold" grpId="0" nodeType="afterEffect">
+                                <p:cTn id="45" presetID="10" presetClass="entr" presetSubtype="0" fill="hold" grpId="0" nodeType="afterEffect">
                                   <p:stCondLst>
                                     <p:cond delay="0"/>
                                   </p:stCondLst>
                                   <p:childTnLst>
                                     <p:set>
                                       <p:cBhvr>
-                                        <p:cTn id="43" dur="1" fill="hold">
+                                        <p:cTn id="46" dur="1" fill="hold">
                                           <p:stCondLst>
                                             <p:cond delay="0"/>
                                           </p:stCondLst>
@@ -9367,7 +12277,7 @@
                                     </p:set>
                                     <p:animEffect transition="in" filter="fade">
                                       <p:cBhvr>
-                                        <p:cTn id="44" dur="500"/>
+                                        <p:cTn id="47" dur="500"/>
                                         <p:tgtEl>
                                           <p:spTgt spid="74"/>
                                         </p:tgtEl>
@@ -9404,6 +12314,7 @@
       </p:par>
     </p:tnLst>
     <p:bldLst>
+      <p:bldP spid="21" grpId="0" animBg="1"/>
       <p:bldP spid="74" grpId="0"/>
       <p:bldP spid="35" grpId="0" animBg="1"/>
       <p:bldP spid="76" grpId="0" animBg="1"/>
@@ -11058,6 +13969,94 @@
                       </p:childTnLst>
                     </p:cTn>
                   </p:par>
+                  <p:par>
+                    <p:cTn id="11" fill="hold">
+                      <p:stCondLst>
+                        <p:cond delay="indefinite"/>
+                      </p:stCondLst>
+                      <p:childTnLst>
+                        <p:par>
+                          <p:cTn id="12" fill="hold">
+                            <p:stCondLst>
+                              <p:cond delay="0"/>
+                            </p:stCondLst>
+                            <p:childTnLst>
+                              <p:par>
+                                <p:cTn id="13" presetID="10" presetClass="exit" presetSubtype="0" fill="hold" grpId="1" nodeType="clickEffect">
+                                  <p:stCondLst>
+                                    <p:cond delay="0"/>
+                                  </p:stCondLst>
+                                  <p:childTnLst>
+                                    <p:animEffect transition="out" filter="fade">
+                                      <p:cBhvr>
+                                        <p:cTn id="14" dur="500"/>
+                                        <p:tgtEl>
+                                          <p:spTgt spid="17"/>
+                                        </p:tgtEl>
+                                      </p:cBhvr>
+                                    </p:animEffect>
+                                    <p:set>
+                                      <p:cBhvr>
+                                        <p:cTn id="15" dur="1" fill="hold">
+                                          <p:stCondLst>
+                                            <p:cond delay="499"/>
+                                          </p:stCondLst>
+                                        </p:cTn>
+                                        <p:tgtEl>
+                                          <p:spTgt spid="17"/>
+                                        </p:tgtEl>
+                                        <p:attrNameLst>
+                                          <p:attrName>style.visibility</p:attrName>
+                                        </p:attrNameLst>
+                                      </p:cBhvr>
+                                      <p:to>
+                                        <p:strVal val="hidden"/>
+                                      </p:to>
+                                    </p:set>
+                                  </p:childTnLst>
+                                </p:cTn>
+                              </p:par>
+                              <p:par>
+                                <p:cTn id="16" presetID="10" presetClass="exit" presetSubtype="0" fill="hold" grpId="1" nodeType="withEffect">
+                                  <p:stCondLst>
+                                    <p:cond delay="0"/>
+                                  </p:stCondLst>
+                                  <p:childTnLst>
+                                    <p:animEffect transition="out" filter="fade">
+                                      <p:cBhvr>
+                                        <p:cTn id="17" dur="500"/>
+                                        <p:tgtEl>
+                                          <p:spTgt spid="18"/>
+                                        </p:tgtEl>
+                                      </p:cBhvr>
+                                    </p:animEffect>
+                                    <p:set>
+                                      <p:cBhvr>
+                                        <p:cTn id="18" dur="1" fill="hold">
+                                          <p:stCondLst>
+                                            <p:cond delay="499"/>
+                                          </p:stCondLst>
+                                        </p:cTn>
+                                        <p:tgtEl>
+                                          <p:spTgt spid="18"/>
+                                        </p:tgtEl>
+                                        <p:attrNameLst>
+                                          <p:attrName>style.visibility</p:attrName>
+                                        </p:attrNameLst>
+                                      </p:cBhvr>
+                                      <p:to>
+                                        <p:strVal val="hidden"/>
+                                      </p:to>
+                                    </p:set>
+                                  </p:childTnLst>
+                                </p:cTn>
+                              </p:par>
+                            </p:childTnLst>
+                          </p:cTn>
+                        </p:par>
+                      </p:childTnLst>
+                    </p:cTn>
+                  </p:par>
                 </p:childTnLst>
               </p:cTn>
               <p:prevCondLst>
@@ -11081,7 +14080,9 @@
     </p:tnLst>
     <p:bldLst>
       <p:bldP spid="17" grpId="0" animBg="1"/>
+      <p:bldP spid="17" grpId="1" animBg="1"/>
       <p:bldP spid="18" grpId="0"/>
+      <p:bldP spid="18" grpId="1"/>
     </p:bldLst>
   </p:timing>
 </p:sld>
@@ -14560,6 +17561,231 @@
       </p:grpSpPr>
       <p:sp>
         <p:nvSpPr>
+          <p:cNvPr id="11" name="Google Shape;83;p16">
+            <a:extLst>
+              <a:ext uri="{FF2B5EF4-FFF2-40B4-BE49-F238E27FC236}">
+                <a16:creationId xmlns:a16="http://schemas.microsoft.com/office/drawing/2014/main" id="{1CF0E3F5-1DC4-4193-B8C1-4447889C310F}"/>
+              </a:ext>
+            </a:extLst>
+          </p:cNvPr>
+          <p:cNvSpPr txBox="1"/>
+          <p:nvPr/>
+        </p:nvSpPr>
+        <p:spPr>
+          <a:xfrm>
+            <a:off x="1408975" y="2037003"/>
+            <a:ext cx="6706325" cy="538579"/>
+          </a:xfrm>
+          <a:prstGeom prst="rect">
+            <a:avLst/>
+          </a:prstGeom>
+          <a:noFill/>
+          <a:ln>
+            <a:noFill/>
+          </a:ln>
+        </p:spPr>
+        <p:txBody>
+          <a:bodyPr spcFirstLastPara="1" wrap="square" lIns="91425" tIns="91425" rIns="91425" bIns="91425" anchor="t" anchorCtr="0">
+            <a:spAutoFit/>
+          </a:bodyPr>
+          <a:lstStyle/>
+          <a:p>
+            <a:pPr marL="0" lvl="0" indent="0" algn="l" rtl="0">
+              <a:lnSpc>
+                <a:spcPct val="115000"/>
+              </a:lnSpc>
+              <a:spcBef>
+                <a:spcPts val="0"/>
+              </a:spcBef>
+              <a:spcAft>
+                <a:spcPts val="0"/>
+              </a:spcAft>
+              <a:buNone/>
+            </a:pPr>
+            <a:r>
+              <a:rPr lang="ko-KR" altLang="en-US" sz="2000" b="1" dirty="0">
+                <a:solidFill>
+                  <a:srgbClr val="FF5050"/>
+                </a:solidFill>
+                <a:latin typeface="에스코어 드림 5 Medium" panose="020B0503030302020204" pitchFamily="34" charset="-127"/>
+                <a:ea typeface="에스코어 드림 5 Medium" panose="020B0503030302020204" pitchFamily="34" charset="-127"/>
+                <a:cs typeface="NanumGothic ExtraBold"/>
+                <a:sym typeface="NanumGothic ExtraBold"/>
+              </a:rPr>
+              <a:t>형상이 다른 </a:t>
+            </a:r>
+            <a:r>
+              <a:rPr lang="ko-KR" altLang="en-US" sz="2000" b="1" dirty="0" err="1">
+                <a:solidFill>
+                  <a:srgbClr val="FF5050"/>
+                </a:solidFill>
+                <a:latin typeface="에스코어 드림 5 Medium" panose="020B0503030302020204" pitchFamily="34" charset="-127"/>
+                <a:ea typeface="에스코어 드림 5 Medium" panose="020B0503030302020204" pitchFamily="34" charset="-127"/>
+                <a:cs typeface="NanumGothic ExtraBold"/>
+                <a:sym typeface="NanumGothic ExtraBold"/>
+              </a:rPr>
+              <a:t>배열끼리의</a:t>
+            </a:r>
+            <a:r>
+              <a:rPr lang="ko-KR" altLang="en-US" sz="2000" b="1" dirty="0">
+                <a:solidFill>
+                  <a:srgbClr val="FF5050"/>
+                </a:solidFill>
+                <a:latin typeface="에스코어 드림 5 Medium" panose="020B0503030302020204" pitchFamily="34" charset="-127"/>
+                <a:ea typeface="에스코어 드림 5 Medium" panose="020B0503030302020204" pitchFamily="34" charset="-127"/>
+                <a:cs typeface="NanumGothic ExtraBold"/>
+                <a:sym typeface="NanumGothic ExtraBold"/>
+              </a:rPr>
+              <a:t> 연산을 할 수 있게끔 해주는 기능</a:t>
+            </a:r>
+            <a:endParaRPr sz="2000" b="1" dirty="0">
+              <a:solidFill>
+                <a:srgbClr val="FF5050"/>
+              </a:solidFill>
+              <a:latin typeface="에스코어 드림 5 Medium" panose="020B0503030302020204" pitchFamily="34" charset="-127"/>
+              <a:ea typeface="에스코어 드림 5 Medium" panose="020B0503030302020204" pitchFamily="34" charset="-127"/>
+              <a:cs typeface="NanumGothic ExtraBold"/>
+              <a:sym typeface="NanumGothic ExtraBold"/>
+            </a:endParaRPr>
+          </a:p>
+        </p:txBody>
+      </p:sp>
+      <p:sp>
+        <p:nvSpPr>
+          <p:cNvPr id="12" name="Google Shape;83;p16">
+            <a:extLst>
+              <a:ext uri="{FF2B5EF4-FFF2-40B4-BE49-F238E27FC236}">
+                <a16:creationId xmlns:a16="http://schemas.microsoft.com/office/drawing/2014/main" id="{F833AAED-1EC4-4530-9D51-166599F367E7}"/>
+              </a:ext>
+            </a:extLst>
+          </p:cNvPr>
+          <p:cNvSpPr txBox="1"/>
+          <p:nvPr/>
+        </p:nvSpPr>
+        <p:spPr>
+          <a:xfrm>
+            <a:off x="1408975" y="2033171"/>
+            <a:ext cx="7277825" cy="1140282"/>
+          </a:xfrm>
+          <a:prstGeom prst="rect">
+            <a:avLst/>
+          </a:prstGeom>
+          <a:noFill/>
+          <a:ln>
+            <a:noFill/>
+          </a:ln>
+        </p:spPr>
+        <p:txBody>
+          <a:bodyPr spcFirstLastPara="1" wrap="square" lIns="91425" tIns="91425" rIns="91425" bIns="91425" anchor="t" anchorCtr="0">
+            <a:spAutoFit/>
+          </a:bodyPr>
+          <a:lstStyle/>
+          <a:p>
+            <a:pPr lvl="0">
+              <a:lnSpc>
+                <a:spcPct val="115000"/>
+              </a:lnSpc>
+            </a:pPr>
+            <a:r>
+              <a:rPr lang="en-US" altLang="ko-KR" sz="1800" b="1" dirty="0">
+                <a:solidFill>
+                  <a:srgbClr val="FF5050"/>
+                </a:solidFill>
+                <a:latin typeface="에스코어 드림 5 Medium" panose="020B0503030302020204" pitchFamily="34" charset="-127"/>
+                <a:ea typeface="에스코어 드림 5 Medium" panose="020B0503030302020204" pitchFamily="34" charset="-127"/>
+                <a:cs typeface="NanumGothic ExtraBold"/>
+                <a:sym typeface="NanumGothic ExtraBold"/>
+              </a:rPr>
+              <a:t>1. </a:t>
+            </a:r>
+            <a:r>
+              <a:rPr lang="ko-KR" altLang="en-US" sz="1800" b="1" dirty="0">
+                <a:solidFill>
+                  <a:srgbClr val="FF5050"/>
+                </a:solidFill>
+                <a:latin typeface="에스코어 드림 5 Medium" panose="020B0503030302020204" pitchFamily="34" charset="-127"/>
+                <a:ea typeface="에스코어 드림 5 Medium" panose="020B0503030302020204" pitchFamily="34" charset="-127"/>
+                <a:cs typeface="NanumGothic ExtraBold"/>
+                <a:sym typeface="NanumGothic ExtraBold"/>
+              </a:rPr>
+              <a:t>두 배열 간의 연산에서 최소한 하나의 배열의 차원이 </a:t>
+            </a:r>
+            <a:r>
+              <a:rPr lang="en-US" altLang="ko-KR" sz="1800" b="1" dirty="0">
+                <a:solidFill>
+                  <a:srgbClr val="FF5050"/>
+                </a:solidFill>
+                <a:latin typeface="에스코어 드림 5 Medium" panose="020B0503030302020204" pitchFamily="34" charset="-127"/>
+                <a:ea typeface="에스코어 드림 5 Medium" panose="020B0503030302020204" pitchFamily="34" charset="-127"/>
+                <a:cs typeface="NanumGothic ExtraBold"/>
+                <a:sym typeface="NanumGothic ExtraBold"/>
+              </a:rPr>
+              <a:t>1</a:t>
+            </a:r>
+            <a:r>
+              <a:rPr lang="ko-KR" altLang="en-US" sz="1800" b="1" dirty="0">
+                <a:solidFill>
+                  <a:srgbClr val="FF5050"/>
+                </a:solidFill>
+                <a:latin typeface="에스코어 드림 5 Medium" panose="020B0503030302020204" pitchFamily="34" charset="-127"/>
+                <a:ea typeface="에스코어 드림 5 Medium" panose="020B0503030302020204" pitchFamily="34" charset="-127"/>
+                <a:cs typeface="NanumGothic ExtraBold"/>
+                <a:sym typeface="NanumGothic ExtraBold"/>
+              </a:rPr>
+              <a:t>이라면 가능</a:t>
+            </a:r>
+          </a:p>
+          <a:p>
+            <a:pPr lvl="0">
+              <a:lnSpc>
+                <a:spcPct val="115000"/>
+              </a:lnSpc>
+            </a:pPr>
+            <a:endParaRPr lang="ko-KR" altLang="en-US" sz="1800" b="1" dirty="0">
+              <a:solidFill>
+                <a:srgbClr val="FF5050"/>
+              </a:solidFill>
+              <a:latin typeface="에스코어 드림 5 Medium" panose="020B0503030302020204" pitchFamily="34" charset="-127"/>
+              <a:ea typeface="에스코어 드림 5 Medium" panose="020B0503030302020204" pitchFamily="34" charset="-127"/>
+              <a:cs typeface="NanumGothic ExtraBold"/>
+              <a:sym typeface="NanumGothic ExtraBold"/>
+            </a:endParaRPr>
+          </a:p>
+          <a:p>
+            <a:pPr lvl="0">
+              <a:lnSpc>
+                <a:spcPct val="115000"/>
+              </a:lnSpc>
+            </a:pPr>
+            <a:r>
+              <a:rPr lang="en-US" altLang="ko-KR" sz="1800" b="1" dirty="0">
+                <a:solidFill>
+                  <a:srgbClr val="FF5050"/>
+                </a:solidFill>
+                <a:latin typeface="에스코어 드림 5 Medium" panose="020B0503030302020204" pitchFamily="34" charset="-127"/>
+                <a:ea typeface="에스코어 드림 5 Medium" panose="020B0503030302020204" pitchFamily="34" charset="-127"/>
+                <a:cs typeface="NanumGothic ExtraBold"/>
+                <a:sym typeface="NanumGothic ExtraBold"/>
+              </a:rPr>
+              <a:t>2. </a:t>
+            </a:r>
+            <a:r>
+              <a:rPr lang="ko-KR" altLang="en-US" sz="1800" b="1" dirty="0">
+                <a:solidFill>
+                  <a:srgbClr val="FF5050"/>
+                </a:solidFill>
+                <a:latin typeface="에스코어 드림 5 Medium" panose="020B0503030302020204" pitchFamily="34" charset="-127"/>
+                <a:ea typeface="에스코어 드림 5 Medium" panose="020B0503030302020204" pitchFamily="34" charset="-127"/>
+                <a:cs typeface="NanumGothic ExtraBold"/>
+                <a:sym typeface="NanumGothic ExtraBold"/>
+              </a:rPr>
+              <a:t>차원에 대해 축의 길이가 동일하면 가능</a:t>
+            </a:r>
+          </a:p>
+        </p:txBody>
+      </p:sp>
+      <p:sp>
+        <p:nvSpPr>
           <p:cNvPr id="80" name="Google Shape;80;p16"/>
           <p:cNvSpPr/>
           <p:nvPr/>
@@ -14786,267 +18012,6 @@
               </a:solidFill>
               <a:latin typeface="에스코어 드림 8 Heavy" panose="020B0903030302020204" pitchFamily="34" charset="-127"/>
               <a:ea typeface="에스코어 드림 8 Heavy" panose="020B0903030302020204" pitchFamily="34" charset="-127"/>
-              <a:cs typeface="NanumGothic ExtraBold"/>
-              <a:sym typeface="NanumGothic ExtraBold"/>
-            </a:endParaRPr>
-          </a:p>
-        </p:txBody>
-      </p:sp>
-      <p:sp>
-        <p:nvSpPr>
-          <p:cNvPr id="11" name="Google Shape;83;p16">
-            <a:extLst>
-              <a:ext uri="{FF2B5EF4-FFF2-40B4-BE49-F238E27FC236}">
-                <a16:creationId xmlns:a16="http://schemas.microsoft.com/office/drawing/2014/main" id="{1CF0E3F5-1DC4-4193-B8C1-4447889C310F}"/>
-              </a:ext>
-            </a:extLst>
-          </p:cNvPr>
-          <p:cNvSpPr txBox="1"/>
-          <p:nvPr/>
-        </p:nvSpPr>
-        <p:spPr>
-          <a:xfrm>
-            <a:off x="1408975" y="2037003"/>
-            <a:ext cx="6706325" cy="538579"/>
-          </a:xfrm>
-          <a:prstGeom prst="rect">
-            <a:avLst/>
-          </a:prstGeom>
-          <a:noFill/>
-          <a:ln>
-            <a:noFill/>
-          </a:ln>
-        </p:spPr>
-        <p:txBody>
-          <a:bodyPr spcFirstLastPara="1" wrap="square" lIns="91425" tIns="91425" rIns="91425" bIns="91425" anchor="t" anchorCtr="0">
-            <a:spAutoFit/>
-          </a:bodyPr>
-          <a:lstStyle/>
-          <a:p>
-            <a:pPr marL="0" lvl="0" indent="0" algn="l" rtl="0">
-              <a:lnSpc>
-                <a:spcPct val="115000"/>
-              </a:lnSpc>
-              <a:spcBef>
-                <a:spcPts val="0"/>
-              </a:spcBef>
-              <a:spcAft>
-                <a:spcPts val="0"/>
-              </a:spcAft>
-              <a:buNone/>
-            </a:pPr>
-            <a:r>
-              <a:rPr lang="ko-KR" altLang="en-US" sz="2000" b="1" dirty="0">
-                <a:solidFill>
-                  <a:srgbClr val="FF5050"/>
-                </a:solidFill>
-                <a:latin typeface="에스코어 드림 5 Medium" panose="020B0503030302020204" pitchFamily="34" charset="-127"/>
-                <a:ea typeface="에스코어 드림 5 Medium" panose="020B0503030302020204" pitchFamily="34" charset="-127"/>
-                <a:cs typeface="NanumGothic ExtraBold"/>
-                <a:sym typeface="NanumGothic ExtraBold"/>
-              </a:rPr>
-              <a:t>형상이 다른 </a:t>
-            </a:r>
-            <a:r>
-              <a:rPr lang="ko-KR" altLang="en-US" sz="2000" b="1" dirty="0" err="1">
-                <a:solidFill>
-                  <a:srgbClr val="FF5050"/>
-                </a:solidFill>
-                <a:latin typeface="에스코어 드림 5 Medium" panose="020B0503030302020204" pitchFamily="34" charset="-127"/>
-                <a:ea typeface="에스코어 드림 5 Medium" panose="020B0503030302020204" pitchFamily="34" charset="-127"/>
-                <a:cs typeface="NanumGothic ExtraBold"/>
-                <a:sym typeface="NanumGothic ExtraBold"/>
-              </a:rPr>
-              <a:t>배열끼리의</a:t>
-            </a:r>
-            <a:r>
-              <a:rPr lang="ko-KR" altLang="en-US" sz="2000" b="1" dirty="0">
-                <a:solidFill>
-                  <a:srgbClr val="FF5050"/>
-                </a:solidFill>
-                <a:latin typeface="에스코어 드림 5 Medium" panose="020B0503030302020204" pitchFamily="34" charset="-127"/>
-                <a:ea typeface="에스코어 드림 5 Medium" panose="020B0503030302020204" pitchFamily="34" charset="-127"/>
-                <a:cs typeface="NanumGothic ExtraBold"/>
-                <a:sym typeface="NanumGothic ExtraBold"/>
-              </a:rPr>
-              <a:t> 연산을 할 수 있게끔 해주는 기능</a:t>
-            </a:r>
-            <a:endParaRPr sz="2000" b="1" dirty="0">
-              <a:solidFill>
-                <a:srgbClr val="FF5050"/>
-              </a:solidFill>
-              <a:latin typeface="에스코어 드림 5 Medium" panose="020B0503030302020204" pitchFamily="34" charset="-127"/>
-              <a:ea typeface="에스코어 드림 5 Medium" panose="020B0503030302020204" pitchFamily="34" charset="-127"/>
-              <a:cs typeface="NanumGothic ExtraBold"/>
-              <a:sym typeface="NanumGothic ExtraBold"/>
-            </a:endParaRPr>
-          </a:p>
-        </p:txBody>
-      </p:sp>
-      <p:sp>
-        <p:nvSpPr>
-          <p:cNvPr id="12" name="Google Shape;83;p16">
-            <a:extLst>
-              <a:ext uri="{FF2B5EF4-FFF2-40B4-BE49-F238E27FC236}">
-                <a16:creationId xmlns:a16="http://schemas.microsoft.com/office/drawing/2014/main" id="{F833AAED-1EC4-4530-9D51-166599F367E7}"/>
-              </a:ext>
-            </a:extLst>
-          </p:cNvPr>
-          <p:cNvSpPr txBox="1"/>
-          <p:nvPr/>
-        </p:nvSpPr>
-        <p:spPr>
-          <a:xfrm>
-            <a:off x="1408975" y="2033171"/>
-            <a:ext cx="7277825" cy="1140282"/>
-          </a:xfrm>
-          <a:prstGeom prst="rect">
-            <a:avLst/>
-          </a:prstGeom>
-          <a:noFill/>
-          <a:ln>
-            <a:noFill/>
-          </a:ln>
-        </p:spPr>
-        <p:txBody>
-          <a:bodyPr spcFirstLastPara="1" wrap="square" lIns="91425" tIns="91425" rIns="91425" bIns="91425" anchor="t" anchorCtr="0">
-            <a:spAutoFit/>
-          </a:bodyPr>
-          <a:lstStyle/>
-          <a:p>
-            <a:pPr lvl="0" algn="l" rtl="0">
-              <a:lnSpc>
-                <a:spcPct val="115000"/>
-              </a:lnSpc>
-              <a:spcBef>
-                <a:spcPts val="0"/>
-              </a:spcBef>
-              <a:spcAft>
-                <a:spcPts val="0"/>
-              </a:spcAft>
-            </a:pPr>
-            <a:r>
-              <a:rPr lang="en-US" altLang="ko-KR" sz="1800" b="1" dirty="0">
-                <a:solidFill>
-                  <a:srgbClr val="FF5050"/>
-                </a:solidFill>
-                <a:latin typeface="에스코어 드림 5 Medium" panose="020B0503030302020204" pitchFamily="34" charset="-127"/>
-                <a:ea typeface="에스코어 드림 5 Medium" panose="020B0503030302020204" pitchFamily="34" charset="-127"/>
-                <a:cs typeface="NanumGothic ExtraBold"/>
-                <a:sym typeface="NanumGothic ExtraBold"/>
-              </a:rPr>
-              <a:t>1. </a:t>
-            </a:r>
-            <a:r>
-              <a:rPr lang="ko-KR" altLang="en-US" sz="1800" b="1" dirty="0">
-                <a:solidFill>
-                  <a:srgbClr val="FF5050"/>
-                </a:solidFill>
-                <a:latin typeface="에스코어 드림 5 Medium" panose="020B0503030302020204" pitchFamily="34" charset="-127"/>
-                <a:ea typeface="에스코어 드림 5 Medium" panose="020B0503030302020204" pitchFamily="34" charset="-127"/>
-                <a:cs typeface="NanumGothic ExtraBold"/>
-                <a:sym typeface="NanumGothic ExtraBold"/>
-              </a:rPr>
-              <a:t>두 배열 간의 연산에서 최소한 하나의 배열의 차원이 </a:t>
-            </a:r>
-            <a:r>
-              <a:rPr lang="en-US" altLang="ko-KR" sz="1800" b="1" dirty="0">
-                <a:solidFill>
-                  <a:srgbClr val="FF5050"/>
-                </a:solidFill>
-                <a:latin typeface="에스코어 드림 5 Medium" panose="020B0503030302020204" pitchFamily="34" charset="-127"/>
-                <a:ea typeface="에스코어 드림 5 Medium" panose="020B0503030302020204" pitchFamily="34" charset="-127"/>
-                <a:cs typeface="NanumGothic ExtraBold"/>
-                <a:sym typeface="NanumGothic ExtraBold"/>
-              </a:rPr>
-              <a:t>1</a:t>
-            </a:r>
-            <a:r>
-              <a:rPr lang="ko-KR" altLang="en-US" sz="1800" b="1" dirty="0">
-                <a:solidFill>
-                  <a:srgbClr val="FF5050"/>
-                </a:solidFill>
-                <a:latin typeface="에스코어 드림 5 Medium" panose="020B0503030302020204" pitchFamily="34" charset="-127"/>
-                <a:ea typeface="에스코어 드림 5 Medium" panose="020B0503030302020204" pitchFamily="34" charset="-127"/>
-                <a:cs typeface="NanumGothic ExtraBold"/>
-                <a:sym typeface="NanumGothic ExtraBold"/>
-              </a:rPr>
-              <a:t>이라면 가능</a:t>
-            </a:r>
-            <a:endParaRPr lang="en-US" altLang="ko-KR" sz="1800" b="1" dirty="0">
-              <a:solidFill>
-                <a:srgbClr val="FF5050"/>
-              </a:solidFill>
-              <a:latin typeface="에스코어 드림 5 Medium" panose="020B0503030302020204" pitchFamily="34" charset="-127"/>
-              <a:ea typeface="에스코어 드림 5 Medium" panose="020B0503030302020204" pitchFamily="34" charset="-127"/>
-              <a:cs typeface="NanumGothic ExtraBold"/>
-              <a:sym typeface="NanumGothic ExtraBold"/>
-            </a:endParaRPr>
-          </a:p>
-          <a:p>
-            <a:pPr lvl="0" algn="l" rtl="0">
-              <a:lnSpc>
-                <a:spcPct val="115000"/>
-              </a:lnSpc>
-              <a:spcBef>
-                <a:spcPts val="0"/>
-              </a:spcBef>
-              <a:spcAft>
-                <a:spcPts val="0"/>
-              </a:spcAft>
-            </a:pPr>
-            <a:endParaRPr lang="en-US" altLang="ko-KR" sz="1800" b="1" dirty="0">
-              <a:solidFill>
-                <a:srgbClr val="FF5050"/>
-              </a:solidFill>
-              <a:latin typeface="에스코어 드림 5 Medium" panose="020B0503030302020204" pitchFamily="34" charset="-127"/>
-              <a:ea typeface="에스코어 드림 5 Medium" panose="020B0503030302020204" pitchFamily="34" charset="-127"/>
-              <a:cs typeface="NanumGothic ExtraBold"/>
-              <a:sym typeface="NanumGothic ExtraBold"/>
-            </a:endParaRPr>
-          </a:p>
-          <a:p>
-            <a:pPr lvl="0" algn="l" rtl="0">
-              <a:lnSpc>
-                <a:spcPct val="115000"/>
-              </a:lnSpc>
-              <a:spcBef>
-                <a:spcPts val="0"/>
-              </a:spcBef>
-              <a:spcAft>
-                <a:spcPts val="0"/>
-              </a:spcAft>
-            </a:pPr>
-            <a:r>
-              <a:rPr lang="en-US" altLang="ko-KR" sz="1800" b="1" dirty="0">
-                <a:solidFill>
-                  <a:srgbClr val="FF5050"/>
-                </a:solidFill>
-                <a:latin typeface="에스코어 드림 5 Medium" panose="020B0503030302020204" pitchFamily="34" charset="-127"/>
-                <a:ea typeface="에스코어 드림 5 Medium" panose="020B0503030302020204" pitchFamily="34" charset="-127"/>
-                <a:cs typeface="NanumGothic ExtraBold"/>
-                <a:sym typeface="NanumGothic ExtraBold"/>
-              </a:rPr>
-              <a:t>2. </a:t>
-            </a:r>
-            <a:r>
-              <a:rPr lang="ko-KR" altLang="en-US" sz="1800" b="1" dirty="0">
-                <a:solidFill>
-                  <a:srgbClr val="FF5050"/>
-                </a:solidFill>
-                <a:latin typeface="에스코어 드림 5 Medium" panose="020B0503030302020204" pitchFamily="34" charset="-127"/>
-                <a:ea typeface="에스코어 드림 5 Medium" panose="020B0503030302020204" pitchFamily="34" charset="-127"/>
-                <a:cs typeface="NanumGothic ExtraBold"/>
-                <a:sym typeface="NanumGothic ExtraBold"/>
-              </a:rPr>
-              <a:t>차원에 대해 축의 길이가 동일하면 가능</a:t>
-            </a:r>
-            <a:endParaRPr sz="1800" b="1" dirty="0">
-              <a:solidFill>
-                <a:srgbClr val="FF5050"/>
-              </a:solidFill>
-              <a:latin typeface="에스코어 드림 5 Medium" panose="020B0503030302020204" pitchFamily="34" charset="-127"/>
-              <a:ea typeface="에스코어 드림 5 Medium" panose="020B0503030302020204" pitchFamily="34" charset="-127"/>
               <a:cs typeface="NanumGothic ExtraBold"/>
               <a:sym typeface="NanumGothic ExtraBold"/>
             </a:endParaRPr>
@@ -18638,9 +21603,6 @@
                     <p:cTn id="3" fill="hold">
                       <p:stCondLst>
                         <p:cond delay="indefinite"/>
-                        <p:cond evt="onBegin" delay="0">
-                          <p:tn val="2"/>
-                        </p:cond>
                       </p:stCondLst>
                       <p:childTnLst>
                         <p:par>
@@ -18650,7 +21612,7 @@
                             </p:stCondLst>
                             <p:childTnLst>
                               <p:par>
-                                <p:cTn id="5" presetID="10" presetClass="entr" presetSubtype="0" fill="hold" grpId="0" nodeType="withEffect">
+                                <p:cTn id="5" presetID="10" presetClass="entr" presetSubtype="0" fill="hold" grpId="0" nodeType="clickEffect">
                                   <p:stCondLst>
                                     <p:cond delay="0"/>
                                   </p:stCondLst>
@@ -18737,33 +21699,15 @@
                                   </p:childTnLst>
                                 </p:cTn>
                               </p:par>
-                            </p:childTnLst>
-                          </p:cTn>
-                        </p:par>
-                      </p:childTnLst>
-                    </p:cTn>
-                  </p:par>
-                  <p:par>
-                    <p:cTn id="13" fill="hold">
-                      <p:stCondLst>
-                        <p:cond delay="indefinite"/>
-                      </p:stCondLst>
-                      <p:childTnLst>
-                        <p:par>
-                          <p:cTn id="14" fill="hold">
-                            <p:stCondLst>
-                              <p:cond delay="0"/>
-                            </p:stCondLst>
-                            <p:childTnLst>
                               <p:par>
-                                <p:cTn id="15" presetID="10" presetClass="entr" presetSubtype="0" fill="hold" nodeType="clickEffect">
+                                <p:cTn id="13" presetID="10" presetClass="entr" presetSubtype="0" fill="hold" nodeType="withEffect">
                                   <p:stCondLst>
                                     <p:cond delay="0"/>
                                   </p:stCondLst>
                                   <p:childTnLst>
                                     <p:set>
                                       <p:cBhvr>
-                                        <p:cTn id="16" dur="1" fill="hold">
+                                        <p:cTn id="14" dur="1" fill="hold">
                                           <p:stCondLst>
                                             <p:cond delay="0"/>
                                           </p:stCondLst>
@@ -18781,7 +21725,7 @@
                                     </p:set>
                                     <p:animEffect transition="in" filter="fade">
                                       <p:cBhvr>
-                                        <p:cTn id="17" dur="500"/>
+                                        <p:cTn id="15" dur="500"/>
                                         <p:tgtEl>
                                           <p:spTgt spid="3"/>
                                         </p:tgtEl>
@@ -18791,14 +21735,14 @@
                                 </p:cTn>
                               </p:par>
                               <p:par>
-                                <p:cTn id="18" presetID="10" presetClass="entr" presetSubtype="0" fill="hold" grpId="0" nodeType="withEffect">
+                                <p:cTn id="16" presetID="10" presetClass="entr" presetSubtype="0" fill="hold" grpId="0" nodeType="withEffect">
                                   <p:stCondLst>
                                     <p:cond delay="0"/>
                                   </p:stCondLst>
                                   <p:childTnLst>
                                     <p:set>
                                       <p:cBhvr>
-                                        <p:cTn id="19" dur="1" fill="hold">
+                                        <p:cTn id="17" dur="1" fill="hold">
                                           <p:stCondLst>
                                             <p:cond delay="0"/>
                                           </p:stCondLst>
@@ -18816,7 +21760,7 @@
                                     </p:set>
                                     <p:animEffect transition="in" filter="fade">
                                       <p:cBhvr>
-                                        <p:cTn id="20" dur="500"/>
+                                        <p:cTn id="18" dur="500"/>
                                         <p:tgtEl>
                                           <p:spTgt spid="9"/>
                                         </p:tgtEl>
@@ -18826,14 +21770,14 @@
                                 </p:cTn>
                               </p:par>
                               <p:par>
-                                <p:cTn id="21" presetID="10" presetClass="entr" presetSubtype="0" fill="hold" nodeType="withEffect">
+                                <p:cTn id="19" presetID="10" presetClass="entr" presetSubtype="0" fill="hold" nodeType="withEffect">
                                   <p:stCondLst>
                                     <p:cond delay="0"/>
                                   </p:stCondLst>
                                   <p:childTnLst>
                                     <p:set>
                                       <p:cBhvr>
-                                        <p:cTn id="22" dur="1" fill="hold">
+                                        <p:cTn id="20" dur="1" fill="hold">
                                           <p:stCondLst>
                                             <p:cond delay="0"/>
                                           </p:stCondLst>
@@ -18851,7 +21795,7 @@
                                     </p:set>
                                     <p:animEffect transition="in" filter="fade">
                                       <p:cBhvr>
-                                        <p:cTn id="23" dur="500"/>
+                                        <p:cTn id="21" dur="500"/>
                                         <p:tgtEl>
                                           <p:spTgt spid="11"/>
                                         </p:tgtEl>
@@ -18867,26 +21811,26 @@
                     </p:cTn>
                   </p:par>
                   <p:par>
-                    <p:cTn id="24" fill="hold">
+                    <p:cTn id="22" fill="hold">
                       <p:stCondLst>
                         <p:cond delay="indefinite"/>
                       </p:stCondLst>
                       <p:childTnLst>
                         <p:par>
-                          <p:cTn id="25" fill="hold">
+                          <p:cTn id="23" fill="hold">
                             <p:stCondLst>
                               <p:cond delay="0"/>
                             </p:stCondLst>
                             <p:childTnLst>
                               <p:par>
-                                <p:cTn id="26" presetID="10" presetClass="entr" presetSubtype="0" fill="hold" nodeType="clickEffect">
+                                <p:cTn id="24" presetID="10" presetClass="entr" presetSubtype="0" fill="hold" nodeType="clickEffect">
                                   <p:stCondLst>
                                     <p:cond delay="0"/>
                                   </p:stCondLst>
                                   <p:childTnLst>
                                     <p:set>
                                       <p:cBhvr>
-                                        <p:cTn id="27" dur="1" fill="hold">
+                                        <p:cTn id="25" dur="1" fill="hold">
                                           <p:stCondLst>
                                             <p:cond delay="0"/>
                                           </p:stCondLst>
@@ -18904,7 +21848,7 @@
                                     </p:set>
                                     <p:animEffect transition="in" filter="fade">
                                       <p:cBhvr>
-                                        <p:cTn id="28" dur="500"/>
+                                        <p:cTn id="26" dur="500"/>
                                         <p:tgtEl>
                                           <p:spTgt spid="5"/>
                                         </p:tgtEl>
